--- a/data/prezentacije/organizacija/001_Organizacija_uvod.pptx
+++ b/data/prezentacije/organizacija/001_Organizacija_uvod.pptx
@@ -209,7 +209,7 @@
             <a:fld id="{1542121D-D7BC-4175-A702-9B7BBD6019B1}" type="datetimeFigureOut">
               <a:rPr lang="sr-Latn-CS" smtClean="0"/>
               <a:pPr/>
-              <a:t>11.9.2017.</a:t>
+              <a:t>12.9.2017.</a:t>
             </a:fld>
             <a:endParaRPr lang="hr-HR"/>
           </a:p>
@@ -752,7 +752,7 @@
             <a:fld id="{FDC1A071-2A74-455A-A49A-8BB21E4AC2F6}" type="datetimeFigureOut">
               <a:rPr lang="sr-Latn-CS" smtClean="0"/>
               <a:pPr/>
-              <a:t>11.9.2017.</a:t>
+              <a:t>12.9.2017.</a:t>
             </a:fld>
             <a:endParaRPr lang="hr-HR"/>
           </a:p>
@@ -943,7 +943,7 @@
             <a:fld id="{FDC1A071-2A74-455A-A49A-8BB21E4AC2F6}" type="datetimeFigureOut">
               <a:rPr lang="sr-Latn-CS" smtClean="0"/>
               <a:pPr/>
-              <a:t>11.9.2017.</a:t>
+              <a:t>12.9.2017.</a:t>
             </a:fld>
             <a:endParaRPr lang="hr-HR"/>
           </a:p>
@@ -1144,7 +1144,7 @@
             <a:fld id="{FDC1A071-2A74-455A-A49A-8BB21E4AC2F6}" type="datetimeFigureOut">
               <a:rPr lang="sr-Latn-CS" smtClean="0"/>
               <a:pPr/>
-              <a:t>11.9.2017.</a:t>
+              <a:t>12.9.2017.</a:t>
             </a:fld>
             <a:endParaRPr lang="hr-HR"/>
           </a:p>
@@ -1599,7 +1599,7 @@
             <a:fld id="{FDC1A071-2A74-455A-A49A-8BB21E4AC2F6}" type="datetimeFigureOut">
               <a:rPr lang="sr-Latn-CS" smtClean="0"/>
               <a:pPr/>
-              <a:t>11.9.2017.</a:t>
+              <a:t>12.9.2017.</a:t>
             </a:fld>
             <a:endParaRPr lang="hr-HR"/>
           </a:p>
@@ -1908,7 +1908,7 @@
             <a:fld id="{FDC1A071-2A74-455A-A49A-8BB21E4AC2F6}" type="datetimeFigureOut">
               <a:rPr lang="sr-Latn-CS" smtClean="0"/>
               <a:pPr/>
-              <a:t>11.9.2017.</a:t>
+              <a:t>12.9.2017.</a:t>
             </a:fld>
             <a:endParaRPr lang="hr-HR"/>
           </a:p>
@@ -2351,7 +2351,7 @@
             <a:fld id="{FDC1A071-2A74-455A-A49A-8BB21E4AC2F6}" type="datetimeFigureOut">
               <a:rPr lang="sr-Latn-CS" smtClean="0"/>
               <a:pPr/>
-              <a:t>11.9.2017.</a:t>
+              <a:t>12.9.2017.</a:t>
             </a:fld>
             <a:endParaRPr lang="hr-HR"/>
           </a:p>
@@ -2490,7 +2490,7 @@
             <a:fld id="{FDC1A071-2A74-455A-A49A-8BB21E4AC2F6}" type="datetimeFigureOut">
               <a:rPr lang="sr-Latn-CS" smtClean="0"/>
               <a:pPr/>
-              <a:t>11.9.2017.</a:t>
+              <a:t>12.9.2017.</a:t>
             </a:fld>
             <a:endParaRPr lang="hr-HR"/>
           </a:p>
@@ -2606,7 +2606,7 @@
             <a:fld id="{FDC1A071-2A74-455A-A49A-8BB21E4AC2F6}" type="datetimeFigureOut">
               <a:rPr lang="sr-Latn-CS" smtClean="0"/>
               <a:pPr/>
-              <a:t>11.9.2017.</a:t>
+              <a:t>12.9.2017.</a:t>
             </a:fld>
             <a:endParaRPr lang="hr-HR"/>
           </a:p>
@@ -2904,7 +2904,7 @@
             <a:fld id="{FDC1A071-2A74-455A-A49A-8BB21E4AC2F6}" type="datetimeFigureOut">
               <a:rPr lang="sr-Latn-CS" smtClean="0"/>
               <a:pPr/>
-              <a:t>11.9.2017.</a:t>
+              <a:t>12.9.2017.</a:t>
             </a:fld>
             <a:endParaRPr lang="hr-HR"/>
           </a:p>
@@ -3182,7 +3182,7 @@
             <a:fld id="{FDC1A071-2A74-455A-A49A-8BB21E4AC2F6}" type="datetimeFigureOut">
               <a:rPr lang="sr-Latn-CS" smtClean="0"/>
               <a:pPr/>
-              <a:t>11.9.2017.</a:t>
+              <a:t>12.9.2017.</a:t>
             </a:fld>
             <a:endParaRPr lang="hr-HR"/>
           </a:p>
@@ -3642,7 +3642,7 @@
 </file>
 
 <file path=ppt/slides/slide1.xml><?xml version="1.0" encoding="utf-8"?>
-<p:sld xmlns:a="http://schemas.openxmlformats.org/drawingml/2006/main" xmlns:r="http://schemas.openxmlformats.org/officeDocument/2006/relationships" xmlns:p="http://schemas.openxmlformats.org/presentationml/2006/main">
+<p:sld xmlns:a="http://schemas.openxmlformats.org/drawingml/2006/main" xmlns:r="http://schemas.openxmlformats.org/officeDocument/2006/relationships" xmlns:p="http://schemas.openxmlformats.org/presentationml/2006/main" show="0">
   <p:cSld>
     <p:spTree>
       <p:nvGrpSpPr>
@@ -3768,13 +3768,13 @@
   <p:clrMapOvr>
     <a:masterClrMapping/>
   </p:clrMapOvr>
-  <mc:AlternateContent xmlns:mc="http://schemas.openxmlformats.org/markup-compatibility/2006" xmlns:p14="http://schemas.microsoft.com/office/powerpoint/2010/main">
-    <mc:Choice Requires="p14">
+  <mc:AlternateContent xmlns:mc="http://schemas.openxmlformats.org/markup-compatibility/2006">
+    <mc:Choice xmlns:p14="http://schemas.microsoft.com/office/powerpoint/2010/main" Requires="p14">
       <p:transition spd="med" p14:dur="700">
         <p:fade/>
       </p:transition>
     </mc:Choice>
-    <mc:Fallback xmlns="">
+    <mc:Fallback>
       <p:transition spd="med">
         <p:fade/>
       </p:transition>
@@ -3927,12 +3927,20 @@
           <a:p>
             <a:pPr lvl="1"/>
             <a:r>
+              <a:rPr lang="hr-HR" sz="2000" b="1" dirty="0"/>
+              <a:t>svaki</a:t>
+            </a:r>
+            <a:r>
               <a:rPr lang="hr-HR" sz="2000" dirty="0"/>
-              <a:t>svaki </a:t>
+              <a:t> </a:t>
             </a:r>
             <a:r>
               <a:rPr lang="hr-HR" sz="2000" dirty="0" smtClean="0"/>
-              <a:t>ranik na šanku je </a:t>
+              <a:t>radnik </a:t>
+            </a:r>
+            <a:r>
+              <a:rPr lang="hr-HR" sz="2000" dirty="0" smtClean="0"/>
+              <a:t>na šanku je </a:t>
             </a:r>
             <a:r>
               <a:rPr lang="hr-HR" sz="2000" dirty="0"/>
@@ -3949,12 +3957,20 @@
           <a:p>
             <a:pPr lvl="1"/>
             <a:r>
-              <a:rPr lang="hr-HR" sz="2000" dirty="0"/>
+              <a:rPr lang="hr-HR" sz="2000" b="1" dirty="0"/>
               <a:t>glavni </a:t>
             </a:r>
             <a:r>
               <a:rPr lang="hr-HR" sz="2000" dirty="0" smtClean="0"/>
-              <a:t>radnik vodi </a:t>
+              <a:t>radnik</a:t>
+            </a:r>
+            <a:r>
+              <a:rPr lang="hr-HR" sz="2000" b="1" dirty="0" smtClean="0"/>
+              <a:t> </a:t>
+            </a:r>
+            <a:r>
+              <a:rPr lang="hr-HR" sz="2000" dirty="0" smtClean="0"/>
+              <a:t>vodi </a:t>
             </a:r>
             <a:r>
               <a:rPr lang="hr-HR" sz="2000" dirty="0"/>
@@ -3989,9 +4005,13 @@
             </a:r>
             <a:r>
               <a:rPr lang="hr-HR" sz="2000" dirty="0" smtClean="0"/>
-              <a:t>terminima uvijek rade 2 konobara zajedno</a:t>
-            </a:r>
-            <a:endParaRPr lang="hr-HR" sz="2200" dirty="0"/>
+              <a:t>terminima uvijek rade </a:t>
+            </a:r>
+            <a:r>
+              <a:rPr lang="hr-HR" sz="2000" b="1" dirty="0" smtClean="0"/>
+              <a:t>2 konobara zajedno</a:t>
+            </a:r>
+            <a:endParaRPr lang="hr-HR" sz="2200" b="1" dirty="0"/>
           </a:p>
           <a:p>
             <a:pPr lvl="2"/>
@@ -5125,15 +5145,7 @@
             </a:pPr>
             <a:r>
               <a:rPr lang="hr-HR" sz="1800" dirty="0"/>
-              <a:t>potrebno je </a:t>
-            </a:r>
-            <a:r>
-              <a:rPr lang="hr-HR" sz="1800" dirty="0" err="1"/>
-              <a:t>maksimizirati</a:t>
-            </a:r>
-            <a:r>
-              <a:rPr lang="hr-HR" sz="1800" dirty="0"/>
-              <a:t> učinak svakog djelatnika, ovisno o njegovim sposobnostima</a:t>
+              <a:t>potrebno je maksimizirati učinak svakog djelatnika, ovisno o njegovim sposobnostima</a:t>
             </a:r>
           </a:p>
           <a:p>
@@ -8144,7 +8156,7 @@
 </file>
 
 <file path=ppt/slides/slide2.xml><?xml version="1.0" encoding="utf-8"?>
-<p:sld xmlns:a="http://schemas.openxmlformats.org/drawingml/2006/main" xmlns:r="http://schemas.openxmlformats.org/officeDocument/2006/relationships" xmlns:p="http://schemas.openxmlformats.org/presentationml/2006/main">
+<p:sld xmlns:a="http://schemas.openxmlformats.org/drawingml/2006/main" xmlns:r="http://schemas.openxmlformats.org/officeDocument/2006/relationships" xmlns:p="http://schemas.openxmlformats.org/presentationml/2006/main" show="0">
   <p:cSld>
     <p:spTree>
       <p:nvGrpSpPr>
@@ -8304,13 +8316,13 @@
   <p:clrMapOvr>
     <a:masterClrMapping/>
   </p:clrMapOvr>
-  <mc:AlternateContent xmlns:mc="http://schemas.openxmlformats.org/markup-compatibility/2006" xmlns:p14="http://schemas.microsoft.com/office/powerpoint/2010/main">
-    <mc:Choice Requires="p14">
+  <mc:AlternateContent xmlns:mc="http://schemas.openxmlformats.org/markup-compatibility/2006">
+    <mc:Choice xmlns:p14="http://schemas.microsoft.com/office/powerpoint/2010/main" Requires="p14">
       <p:transition spd="med" p14:dur="700">
         <p:fade/>
       </p:transition>
     </mc:Choice>
-    <mc:Fallback xmlns="">
+    <mc:Fallback>
       <p:transition spd="med">
         <p:fade/>
       </p:transition>
@@ -8327,7 +8339,7 @@
 </file>
 
 <file path=ppt/slides/slide3.xml><?xml version="1.0" encoding="utf-8"?>
-<p:sld xmlns:a="http://schemas.openxmlformats.org/drawingml/2006/main" xmlns:r="http://schemas.openxmlformats.org/officeDocument/2006/relationships" xmlns:p="http://schemas.openxmlformats.org/presentationml/2006/main">
+<p:sld xmlns:a="http://schemas.openxmlformats.org/drawingml/2006/main" xmlns:r="http://schemas.openxmlformats.org/officeDocument/2006/relationships" xmlns:p="http://schemas.openxmlformats.org/presentationml/2006/main" show="0">
   <p:cSld>
     <p:spTree>
       <p:nvGrpSpPr>
@@ -8601,13 +8613,13 @@
   <p:clrMapOvr>
     <a:masterClrMapping/>
   </p:clrMapOvr>
-  <mc:AlternateContent xmlns:mc="http://schemas.openxmlformats.org/markup-compatibility/2006" xmlns:p14="http://schemas.microsoft.com/office/powerpoint/2010/main">
-    <mc:Choice Requires="p14">
+  <mc:AlternateContent xmlns:mc="http://schemas.openxmlformats.org/markup-compatibility/2006">
+    <mc:Choice xmlns:p14="http://schemas.microsoft.com/office/powerpoint/2010/main" Requires="p14">
       <p:transition spd="med" p14:dur="700">
         <p:fade/>
       </p:transition>
     </mc:Choice>
-    <mc:Fallback xmlns="">
+    <mc:Fallback>
       <p:transition spd="med">
         <p:fade/>
       </p:transition>

--- a/data/prezentacije/organizacija/001_Organizacija_uvod.pptx
+++ b/data/prezentacije/organizacija/001_Organizacija_uvod.pptx
@@ -5,7 +5,7 @@
     <p:sldMasterId id="2147483660" r:id="rId1"/>
   </p:sldMasterIdLst>
   <p:notesMasterIdLst>
-    <p:notesMasterId r:id="rId19"/>
+    <p:notesMasterId r:id="rId20"/>
   </p:notesMasterIdLst>
   <p:sldIdLst>
     <p:sldId id="256" r:id="rId2"/>
@@ -21,10 +21,11 @@
     <p:sldId id="272" r:id="rId12"/>
     <p:sldId id="270" r:id="rId13"/>
     <p:sldId id="263" r:id="rId14"/>
-    <p:sldId id="269" r:id="rId15"/>
-    <p:sldId id="264" r:id="rId16"/>
-    <p:sldId id="267" r:id="rId17"/>
-    <p:sldId id="273" r:id="rId18"/>
+    <p:sldId id="274" r:id="rId15"/>
+    <p:sldId id="269" r:id="rId16"/>
+    <p:sldId id="264" r:id="rId17"/>
+    <p:sldId id="267" r:id="rId18"/>
+    <p:sldId id="273" r:id="rId19"/>
   </p:sldIdLst>
   <p:sldSz cx="9144000" cy="6858000" type="screen4x3"/>
   <p:notesSz cx="6858000" cy="9144000"/>
@@ -209,7 +210,7 @@
             <a:fld id="{1542121D-D7BC-4175-A702-9B7BBD6019B1}" type="datetimeFigureOut">
               <a:rPr lang="sr-Latn-CS" smtClean="0"/>
               <a:pPr/>
-              <a:t>12.9.2017.</a:t>
+              <a:t>20.9.2017.</a:t>
             </a:fld>
             <a:endParaRPr lang="hr-HR"/>
           </a:p>
@@ -752,7 +753,7 @@
             <a:fld id="{FDC1A071-2A74-455A-A49A-8BB21E4AC2F6}" type="datetimeFigureOut">
               <a:rPr lang="sr-Latn-CS" smtClean="0"/>
               <a:pPr/>
-              <a:t>12.9.2017.</a:t>
+              <a:t>20.9.2017.</a:t>
             </a:fld>
             <a:endParaRPr lang="hr-HR"/>
           </a:p>
@@ -943,7 +944,7 @@
             <a:fld id="{FDC1A071-2A74-455A-A49A-8BB21E4AC2F6}" type="datetimeFigureOut">
               <a:rPr lang="sr-Latn-CS" smtClean="0"/>
               <a:pPr/>
-              <a:t>12.9.2017.</a:t>
+              <a:t>20.9.2017.</a:t>
             </a:fld>
             <a:endParaRPr lang="hr-HR"/>
           </a:p>
@@ -1144,7 +1145,7 @@
             <a:fld id="{FDC1A071-2A74-455A-A49A-8BB21E4AC2F6}" type="datetimeFigureOut">
               <a:rPr lang="sr-Latn-CS" smtClean="0"/>
               <a:pPr/>
-              <a:t>12.9.2017.</a:t>
+              <a:t>20.9.2017.</a:t>
             </a:fld>
             <a:endParaRPr lang="hr-HR"/>
           </a:p>
@@ -1599,7 +1600,7 @@
             <a:fld id="{FDC1A071-2A74-455A-A49A-8BB21E4AC2F6}" type="datetimeFigureOut">
               <a:rPr lang="sr-Latn-CS" smtClean="0"/>
               <a:pPr/>
-              <a:t>12.9.2017.</a:t>
+              <a:t>20.9.2017.</a:t>
             </a:fld>
             <a:endParaRPr lang="hr-HR"/>
           </a:p>
@@ -1908,7 +1909,7 @@
             <a:fld id="{FDC1A071-2A74-455A-A49A-8BB21E4AC2F6}" type="datetimeFigureOut">
               <a:rPr lang="sr-Latn-CS" smtClean="0"/>
               <a:pPr/>
-              <a:t>12.9.2017.</a:t>
+              <a:t>20.9.2017.</a:t>
             </a:fld>
             <a:endParaRPr lang="hr-HR"/>
           </a:p>
@@ -2351,7 +2352,7 @@
             <a:fld id="{FDC1A071-2A74-455A-A49A-8BB21E4AC2F6}" type="datetimeFigureOut">
               <a:rPr lang="sr-Latn-CS" smtClean="0"/>
               <a:pPr/>
-              <a:t>12.9.2017.</a:t>
+              <a:t>20.9.2017.</a:t>
             </a:fld>
             <a:endParaRPr lang="hr-HR"/>
           </a:p>
@@ -2490,7 +2491,7 @@
             <a:fld id="{FDC1A071-2A74-455A-A49A-8BB21E4AC2F6}" type="datetimeFigureOut">
               <a:rPr lang="sr-Latn-CS" smtClean="0"/>
               <a:pPr/>
-              <a:t>12.9.2017.</a:t>
+              <a:t>20.9.2017.</a:t>
             </a:fld>
             <a:endParaRPr lang="hr-HR"/>
           </a:p>
@@ -2606,7 +2607,7 @@
             <a:fld id="{FDC1A071-2A74-455A-A49A-8BB21E4AC2F6}" type="datetimeFigureOut">
               <a:rPr lang="sr-Latn-CS" smtClean="0"/>
               <a:pPr/>
-              <a:t>12.9.2017.</a:t>
+              <a:t>20.9.2017.</a:t>
             </a:fld>
             <a:endParaRPr lang="hr-HR"/>
           </a:p>
@@ -2904,7 +2905,7 @@
             <a:fld id="{FDC1A071-2A74-455A-A49A-8BB21E4AC2F6}" type="datetimeFigureOut">
               <a:rPr lang="sr-Latn-CS" smtClean="0"/>
               <a:pPr/>
-              <a:t>12.9.2017.</a:t>
+              <a:t>20.9.2017.</a:t>
             </a:fld>
             <a:endParaRPr lang="hr-HR"/>
           </a:p>
@@ -3182,7 +3183,7 @@
             <a:fld id="{FDC1A071-2A74-455A-A49A-8BB21E4AC2F6}" type="datetimeFigureOut">
               <a:rPr lang="sr-Latn-CS" smtClean="0"/>
               <a:pPr/>
-              <a:t>12.9.2017.</a:t>
+              <a:t>20.9.2017.</a:t>
             </a:fld>
             <a:endParaRPr lang="hr-HR"/>
           </a:p>
@@ -3770,12 +3771,12 @@
   </p:clrMapOvr>
   <mc:AlternateContent xmlns:mc="http://schemas.openxmlformats.org/markup-compatibility/2006">
     <mc:Choice xmlns:p14="http://schemas.microsoft.com/office/powerpoint/2010/main" Requires="p14">
-      <p:transition spd="med" p14:dur="700">
+      <p:transition p14:dur="250">
         <p:fade/>
       </p:transition>
     </mc:Choice>
     <mc:Fallback>
-      <p:transition spd="med">
+      <p:transition>
         <p:fade/>
       </p:transition>
     </mc:Fallback>
@@ -3936,11 +3937,7 @@
             </a:r>
             <a:r>
               <a:rPr lang="hr-HR" sz="2000" dirty="0" smtClean="0"/>
-              <a:t>radnik </a:t>
-            </a:r>
-            <a:r>
-              <a:rPr lang="hr-HR" sz="2000" dirty="0" smtClean="0"/>
-              <a:t>na šanku je </a:t>
+              <a:t>radnik na šanku je </a:t>
             </a:r>
             <a:r>
               <a:rPr lang="hr-HR" sz="2000" dirty="0"/>
@@ -4094,14 +4091,14 @@
   <p:clrMapOvr>
     <a:masterClrMapping/>
   </p:clrMapOvr>
-  <mc:AlternateContent xmlns:mc="http://schemas.openxmlformats.org/markup-compatibility/2006" xmlns:p14="http://schemas.microsoft.com/office/powerpoint/2010/main">
-    <mc:Choice Requires="p14">
-      <p:transition spd="med" p14:dur="700">
+  <mc:AlternateContent xmlns:mc="http://schemas.openxmlformats.org/markup-compatibility/2006">
+    <mc:Choice xmlns:p14="http://schemas.microsoft.com/office/powerpoint/2010/main" Requires="p14">
+      <p:transition p14:dur="250">
         <p:fade/>
       </p:transition>
     </mc:Choice>
-    <mc:Fallback xmlns="">
-      <p:transition spd="med">
+    <mc:Fallback>
+      <p:transition>
         <p:fade/>
       </p:transition>
     </mc:Fallback>
@@ -5206,14 +5203,14 @@
   <p:clrMapOvr>
     <a:masterClrMapping/>
   </p:clrMapOvr>
-  <mc:AlternateContent xmlns:mc="http://schemas.openxmlformats.org/markup-compatibility/2006" xmlns:p14="http://schemas.microsoft.com/office/powerpoint/2010/main">
-    <mc:Choice Requires="p14">
-      <p:transition spd="med" p14:dur="700">
+  <mc:AlternateContent xmlns:mc="http://schemas.openxmlformats.org/markup-compatibility/2006">
+    <mc:Choice xmlns:p14="http://schemas.microsoft.com/office/powerpoint/2010/main" Requires="p14">
+      <p:transition p14:dur="250">
         <p:fade/>
       </p:transition>
     </mc:Choice>
-    <mc:Fallback xmlns="">
-      <p:transition spd="med">
+    <mc:Fallback>
+      <p:transition>
         <p:fade/>
       </p:transition>
     </mc:Fallback>
@@ -6107,12 +6104,22 @@
           <a:p>
             <a:pPr lvl="0"/>
             <a:r>
-              <a:rPr lang="hr-HR" b="1" dirty="0" smtClean="0"/>
+              <a:rPr lang="hr-HR" b="1" dirty="0">
+                <a:highlight>
+                  <a:srgbClr val="FFFF00"/>
+                </a:highlight>
+                <a:ea typeface="Calibri"/>
+                <a:cs typeface="Times New Roman"/>
+              </a:rPr>
               <a:t>poduzeće</a:t>
             </a:r>
             <a:r>
+              <a:rPr lang="hr-HR" sz="3200" dirty="0" smtClean="0"/>
+              <a:t> </a:t>
+            </a:r>
+            <a:r>
               <a:rPr lang="hr-HR" dirty="0" smtClean="0"/>
-              <a:t> (trgovačko društvo) – </a:t>
+              <a:t>(trgovačko društvo) – </a:t>
             </a:r>
             <a:r>
               <a:rPr lang="hr-HR" b="1" dirty="0" smtClean="0">
@@ -6124,7 +6131,35 @@
             </a:r>
             <a:r>
               <a:rPr lang="hr-HR" dirty="0" smtClean="0"/>
-              <a:t> koju je osnovao (ili kupio) njezin vlasnik kako bi </a:t>
+              <a:t> koju je </a:t>
+            </a:r>
+            <a:r>
+              <a:rPr lang="hr-HR" dirty="0">
+                <a:highlight>
+                  <a:srgbClr val="FFFF00"/>
+                </a:highlight>
+                <a:ea typeface="Calibri"/>
+                <a:cs typeface="Times New Roman"/>
+              </a:rPr>
+              <a:t>osnovao</a:t>
+            </a:r>
+            <a:r>
+              <a:rPr lang="hr-HR" dirty="0" smtClean="0"/>
+              <a:t> (ili </a:t>
+            </a:r>
+            <a:r>
+              <a:rPr lang="hr-HR" dirty="0">
+                <a:highlight>
+                  <a:srgbClr val="FFFF00"/>
+                </a:highlight>
+                <a:ea typeface="Calibri"/>
+                <a:cs typeface="Times New Roman"/>
+              </a:rPr>
+              <a:t>kupio</a:t>
+            </a:r>
+            <a:r>
+              <a:rPr lang="hr-HR" dirty="0" smtClean="0"/>
+              <a:t>) njezin vlasnik kako bi </a:t>
             </a:r>
             <a:r>
               <a:rPr lang="hr-HR" b="1" dirty="0" smtClean="0">
@@ -6144,12 +6179,9 @@
                   <a:srgbClr val="FF0000"/>
                 </a:solidFill>
               </a:rPr>
-              <a:t> ostvarivao zaradu </a:t>
-            </a:r>
-            <a:r>
-              <a:rPr lang="hr-HR" dirty="0" smtClean="0"/>
-              <a:t>(dobit)</a:t>
-            </a:r>
+              <a:t> ostvarivao dobit</a:t>
+            </a:r>
+            <a:endParaRPr lang="hr-HR" dirty="0" smtClean="0"/>
           </a:p>
           <a:p>
             <a:pPr lvl="0">
@@ -6172,20 +6204,42 @@
           </a:p>
           <a:p>
             <a:r>
+              <a:rPr lang="hr-HR" b="1" dirty="0">
+                <a:highlight>
+                  <a:srgbClr val="FFFF00"/>
+                </a:highlight>
+                <a:ea typeface="Calibri"/>
+                <a:cs typeface="Times New Roman"/>
+              </a:rPr>
+              <a:t>organizacija poslovanja poduzeća</a:t>
+            </a:r>
+            <a:r>
+              <a:rPr lang="hr-HR" dirty="0">
+                <a:highlight>
+                  <a:srgbClr val="FFFF00"/>
+                </a:highlight>
+                <a:ea typeface="Calibri"/>
+                <a:cs typeface="Times New Roman"/>
+              </a:rPr>
+              <a:t> se zasniva na </a:t>
+            </a:r>
+            <a:r>
+              <a:rPr lang="hr-HR" b="1" dirty="0">
+                <a:highlight>
+                  <a:srgbClr val="FFFF00"/>
+                </a:highlight>
+                <a:ea typeface="Calibri"/>
+                <a:cs typeface="Times New Roman"/>
+              </a:rPr>
+              <a:t>organizaciji rada</a:t>
+            </a:r>
+            <a:r>
               <a:rPr lang="hr-HR" b="1" dirty="0" smtClean="0"/>
-              <a:t>organizacija poslovanja poduzeća</a:t>
+              <a:t> </a:t>
             </a:r>
             <a:r>
               <a:rPr lang="hr-HR" dirty="0" smtClean="0"/>
-              <a:t> se zasniva na </a:t>
-            </a:r>
-            <a:r>
-              <a:rPr lang="hr-HR" b="1" dirty="0" smtClean="0"/>
-              <a:t>organizaciji rada</a:t>
-            </a:r>
-            <a:r>
-              <a:rPr lang="hr-HR" dirty="0" smtClean="0"/>
-              <a:t> na koju se onda nadovezuju ostale funkcije poduzeća – proizvodna, uslužna, nabavna, financijska, kadrovska, razvojna, rukovodna, kontrolna i </a:t>
+              <a:t>na koju se onda nadovezuju ostale funkcije poduzeća – proizvodna, uslužna, nabavna, financijska, kadrovska, razvojna, rukovodna, kontrolna i </a:t>
             </a:r>
             <a:r>
               <a:rPr lang="hr-HR" dirty="0" err="1" smtClean="0"/>
@@ -6209,14 +6263,14 @@
   <p:clrMapOvr>
     <a:masterClrMapping/>
   </p:clrMapOvr>
-  <mc:AlternateContent xmlns:mc="http://schemas.openxmlformats.org/markup-compatibility/2006" xmlns:p14="http://schemas.microsoft.com/office/powerpoint/2010/main">
-    <mc:Choice Requires="p14">
-      <p:transition spd="med" p14:dur="700">
+  <mc:AlternateContent xmlns:mc="http://schemas.openxmlformats.org/markup-compatibility/2006">
+    <mc:Choice xmlns:p14="http://schemas.microsoft.com/office/powerpoint/2010/main" Requires="p14">
+      <p:transition p14:dur="250">
         <p:fade/>
       </p:transition>
     </mc:Choice>
-    <mc:Fallback xmlns="">
-      <p:transition spd="med">
+    <mc:Fallback>
+      <p:transition>
         <p:fade/>
       </p:transition>
     </mc:Fallback>
@@ -6622,14 +6676,14 @@
   <p:clrMapOvr>
     <a:masterClrMapping/>
   </p:clrMapOvr>
-  <mc:AlternateContent xmlns:mc="http://schemas.openxmlformats.org/markup-compatibility/2006" xmlns:p14="http://schemas.microsoft.com/office/powerpoint/2010/main">
-    <mc:Choice Requires="p14">
-      <p:transition spd="med" p14:dur="700">
+  <mc:AlternateContent xmlns:mc="http://schemas.openxmlformats.org/markup-compatibility/2006">
+    <mc:Choice xmlns:p14="http://schemas.microsoft.com/office/powerpoint/2010/main" Requires="p14">
+      <p:transition p14:dur="250">
         <p:fade/>
       </p:transition>
     </mc:Choice>
-    <mc:Fallback xmlns="">
-      <p:transition spd="med">
+    <mc:Fallback>
+      <p:transition>
         <p:fade/>
       </p:transition>
     </mc:Fallback>
@@ -6909,6 +6963,782 @@
             <p:ph type="title"/>
           </p:nvPr>
         </p:nvSpPr>
+        <p:spPr>
+          <a:xfrm>
+            <a:off x="142844" y="142852"/>
+            <a:ext cx="9001156" cy="642942"/>
+          </a:xfrm>
+        </p:spPr>
+        <p:txBody>
+          <a:bodyPr/>
+          <a:lstStyle/>
+          <a:p>
+            <a:r>
+              <a:rPr lang="hr-HR" sz="3600" dirty="0"/>
+              <a:t>Formalna i neformalna organizacija</a:t>
+            </a:r>
+            <a:endParaRPr lang="hr-HR" sz="3600" dirty="0"/>
+          </a:p>
+        </p:txBody>
+      </p:sp>
+      <p:sp>
+        <p:nvSpPr>
+          <p:cNvPr id="3" name="Content Placeholder 2"/>
+          <p:cNvSpPr>
+            <a:spLocks noGrp="1"/>
+          </p:cNvSpPr>
+          <p:nvPr>
+            <p:ph idx="1"/>
+          </p:nvPr>
+        </p:nvSpPr>
+        <p:spPr>
+          <a:xfrm>
+            <a:off x="0" y="953750"/>
+            <a:ext cx="9001156" cy="5643602"/>
+          </a:xfrm>
+        </p:spPr>
+        <p:txBody>
+          <a:bodyPr>
+            <a:noAutofit/>
+          </a:bodyPr>
+          <a:lstStyle/>
+          <a:p>
+            <a:pPr lvl="0">
+              <a:spcBef>
+                <a:spcPts val="4200"/>
+              </a:spcBef>
+            </a:pPr>
+            <a:r>
+              <a:rPr lang="hr-HR" sz="3200" b="1" dirty="0" smtClean="0">
+                <a:solidFill>
+                  <a:srgbClr val="FF0000"/>
+                </a:solidFill>
+              </a:rPr>
+              <a:t>FORMALNA </a:t>
+            </a:r>
+            <a:r>
+              <a:rPr lang="hr-HR" dirty="0" smtClean="0"/>
+              <a:t>ORGANIZACIJA</a:t>
+            </a:r>
+            <a:endParaRPr lang="hr-HR" sz="3200" dirty="0" smtClean="0"/>
+          </a:p>
+          <a:p>
+            <a:pPr lvl="1">
+              <a:spcBef>
+                <a:spcPts val="600"/>
+              </a:spcBef>
+            </a:pPr>
+            <a:r>
+              <a:rPr lang="hr-HR" sz="2500" dirty="0" smtClean="0"/>
+              <a:t>ona </a:t>
+            </a:r>
+            <a:r>
+              <a:rPr lang="hr-HR" sz="2500" dirty="0"/>
+              <a:t>organizacija koja je </a:t>
+            </a:r>
+            <a:r>
+              <a:rPr lang="hr-HR" sz="2500" b="1" dirty="0">
+                <a:solidFill>
+                  <a:srgbClr val="FF0000"/>
+                </a:solidFill>
+              </a:rPr>
+              <a:t>određena nekim službenim aktom </a:t>
+            </a:r>
+            <a:r>
+              <a:rPr lang="hr-HR" sz="2500" dirty="0"/>
+              <a:t>koji je donijelo neko službeno </a:t>
+            </a:r>
+            <a:r>
+              <a:rPr lang="hr-HR" sz="2500" dirty="0" smtClean="0"/>
+              <a:t>tijelo </a:t>
+            </a:r>
+            <a:r>
+              <a:rPr lang="hr-HR" sz="2400" i="1" dirty="0" smtClean="0"/>
+              <a:t>(npr</a:t>
+            </a:r>
+            <a:r>
+              <a:rPr lang="hr-HR" sz="2400" i="1" dirty="0"/>
+              <a:t>. upravni odbor ili </a:t>
+            </a:r>
+            <a:r>
+              <a:rPr lang="hr-HR" sz="2400" i="1" dirty="0" smtClean="0"/>
+              <a:t>direktor)</a:t>
+            </a:r>
+            <a:endParaRPr lang="hr-HR" sz="2500" i="1" dirty="0" smtClean="0"/>
+          </a:p>
+          <a:p>
+            <a:pPr lvl="1">
+              <a:spcBef>
+                <a:spcPts val="600"/>
+              </a:spcBef>
+            </a:pPr>
+            <a:r>
+              <a:rPr lang="hr-HR" sz="2000" i="1" dirty="0"/>
+              <a:t>restoran ili hotel su formalne organizacije jer </a:t>
+            </a:r>
+            <a:r>
+              <a:rPr lang="hr-HR" sz="2000" i="1" dirty="0">
+                <a:highlight>
+                  <a:srgbClr val="FFFF00"/>
+                </a:highlight>
+                <a:ea typeface="Calibri"/>
+                <a:cs typeface="Times New Roman"/>
+              </a:rPr>
+              <a:t>svako radno mjesto ima propisane dužnosti</a:t>
+            </a:r>
+            <a:r>
+              <a:rPr lang="hr-HR" sz="2000" i="1" dirty="0"/>
+              <a:t> – npr. sobarica treba pospremiti 15 soba dnevno, konobar poslužiti 30 gostiju, kuhar spremiti 50 obroka i sl. </a:t>
+            </a:r>
+            <a:endParaRPr lang="hr-HR" sz="2400" i="1" dirty="0" smtClean="0"/>
+          </a:p>
+          <a:p>
+            <a:pPr>
+              <a:spcBef>
+                <a:spcPts val="3000"/>
+              </a:spcBef>
+            </a:pPr>
+            <a:r>
+              <a:rPr lang="hr-HR" sz="3200" b="1" dirty="0">
+                <a:solidFill>
+                  <a:srgbClr val="FF0000"/>
+                </a:solidFill>
+              </a:rPr>
+              <a:t>NEFORMALNA </a:t>
+            </a:r>
+            <a:r>
+              <a:rPr lang="hr-HR" dirty="0" smtClean="0"/>
+              <a:t>ORGANIZACIJA </a:t>
+            </a:r>
+            <a:endParaRPr lang="hr-HR" sz="3200" dirty="0" smtClean="0"/>
+          </a:p>
+          <a:p>
+            <a:pPr lvl="1">
+              <a:spcBef>
+                <a:spcPts val="0"/>
+              </a:spcBef>
+            </a:pPr>
+            <a:r>
+              <a:rPr lang="hr-HR" sz="2500" dirty="0" smtClean="0"/>
+              <a:t>ona </a:t>
+            </a:r>
+            <a:r>
+              <a:rPr lang="hr-HR" sz="2500" dirty="0"/>
+              <a:t>organizacija koju </a:t>
+            </a:r>
+            <a:r>
+              <a:rPr lang="hr-HR" sz="2500" b="1" dirty="0">
+                <a:solidFill>
+                  <a:srgbClr val="FF0000"/>
+                </a:solidFill>
+                <a:highlight>
+                  <a:srgbClr val="FFFF00"/>
+                </a:highlight>
+                <a:ea typeface="Calibri"/>
+                <a:cs typeface="Times New Roman"/>
+              </a:rPr>
+              <a:t>nije</a:t>
+            </a:r>
+            <a:r>
+              <a:rPr lang="hr-HR" sz="2500" b="1" dirty="0">
+                <a:solidFill>
+                  <a:srgbClr val="FF0000"/>
+                </a:solidFill>
+              </a:rPr>
+              <a:t> unaprijed propisalo </a:t>
+            </a:r>
+            <a:r>
+              <a:rPr lang="hr-HR" sz="2500" dirty="0"/>
+              <a:t>i </a:t>
+            </a:r>
+            <a:r>
+              <a:rPr lang="hr-HR" sz="2500" b="1" dirty="0">
+                <a:solidFill>
+                  <a:srgbClr val="FF0000"/>
+                </a:solidFill>
+              </a:rPr>
+              <a:t>odobrilo odgovarajuće upravljačko tijelo</a:t>
+            </a:r>
+            <a:r>
+              <a:rPr lang="hr-HR" sz="2500" dirty="0"/>
+              <a:t>, već se </a:t>
+            </a:r>
+            <a:r>
+              <a:rPr lang="hr-HR" sz="2500" b="1" dirty="0">
+                <a:solidFill>
+                  <a:srgbClr val="FF0000"/>
+                </a:solidFill>
+              </a:rPr>
+              <a:t>silom prilika </a:t>
+            </a:r>
+            <a:r>
+              <a:rPr lang="hr-HR" sz="2500" dirty="0">
+                <a:highlight>
+                  <a:srgbClr val="FFFF00"/>
+                </a:highlight>
+                <a:ea typeface="Calibri"/>
+                <a:cs typeface="Times New Roman"/>
+              </a:rPr>
+              <a:t>stvara po </a:t>
+            </a:r>
+            <a:r>
+              <a:rPr lang="hr-HR" sz="2500" dirty="0">
+                <a:highlight>
+                  <a:srgbClr val="FFFF00"/>
+                </a:highlight>
+                <a:ea typeface="Calibri"/>
+                <a:cs typeface="Times New Roman"/>
+              </a:rPr>
+              <a:t>potrebi </a:t>
+            </a:r>
+          </a:p>
+          <a:p>
+            <a:pPr lvl="1">
+              <a:spcBef>
+                <a:spcPts val="600"/>
+              </a:spcBef>
+            </a:pPr>
+            <a:r>
+              <a:rPr lang="hr-HR" sz="2400" dirty="0"/>
+              <a:t>nazivaju se i „</a:t>
+            </a:r>
+            <a:r>
+              <a:rPr lang="hr-HR" sz="2400" b="1" dirty="0">
+                <a:highlight>
+                  <a:srgbClr val="FFFF00"/>
+                </a:highlight>
+                <a:ea typeface="Calibri"/>
+                <a:cs typeface="Times New Roman"/>
+              </a:rPr>
+              <a:t>improviziranim</a:t>
+            </a:r>
+            <a:r>
+              <a:rPr lang="hr-HR" sz="2400" dirty="0">
+                <a:highlight>
+                  <a:srgbClr val="FFFF00"/>
+                </a:highlight>
+                <a:ea typeface="Calibri"/>
+                <a:cs typeface="Times New Roman"/>
+              </a:rPr>
+              <a:t> organizacijama posla</a:t>
+            </a:r>
+            <a:r>
+              <a:rPr lang="hr-HR" sz="2400" dirty="0"/>
+              <a:t>”</a:t>
+            </a:r>
+          </a:p>
+          <a:p>
+            <a:pPr lvl="1">
+              <a:spcBef>
+                <a:spcPts val="600"/>
+              </a:spcBef>
+            </a:pPr>
+            <a:r>
+              <a:rPr lang="hr-HR" sz="2400" i="1" dirty="0" smtClean="0"/>
+              <a:t>npr</a:t>
+            </a:r>
+            <a:r>
+              <a:rPr lang="hr-HR" sz="2400" i="1" dirty="0" smtClean="0"/>
+              <a:t>. restoran kada je jedan radnik odsutan</a:t>
+            </a:r>
+            <a:endParaRPr lang="hr-HR" sz="2400" i="1" dirty="0"/>
+          </a:p>
+        </p:txBody>
+      </p:sp>
+    </p:spTree>
+    <p:extLst>
+      <p:ext uri="{BB962C8B-B14F-4D97-AF65-F5344CB8AC3E}">
+        <p14:creationId xmlns:p14="http://schemas.microsoft.com/office/powerpoint/2010/main" val="2675717551"/>
+      </p:ext>
+    </p:extLst>
+  </p:cSld>
+  <p:clrMapOvr>
+    <a:masterClrMapping/>
+  </p:clrMapOvr>
+  <mc:AlternateContent xmlns:mc="http://schemas.openxmlformats.org/markup-compatibility/2006">
+    <mc:Choice xmlns:p14="http://schemas.microsoft.com/office/powerpoint/2010/main" Requires="p14">
+      <p:transition p14:dur="250">
+        <p:fade/>
+      </p:transition>
+    </mc:Choice>
+    <mc:Fallback>
+      <p:transition>
+        <p:fade/>
+      </p:transition>
+    </mc:Fallback>
+  </mc:AlternateContent>
+  <p:timing>
+    <p:tnLst>
+      <p:par>
+        <p:cTn id="1" dur="indefinite" restart="never" nodeType="tmRoot">
+          <p:childTnLst>
+            <p:seq concurrent="1" nextAc="seek">
+              <p:cTn id="2" dur="indefinite" nodeType="mainSeq">
+                <p:childTnLst>
+                  <p:par>
+                    <p:cTn id="3" fill="hold">
+                      <p:stCondLst>
+                        <p:cond delay="indefinite"/>
+                        <p:cond evt="onBegin" delay="0">
+                          <p:tn val="2"/>
+                        </p:cond>
+                      </p:stCondLst>
+                      <p:childTnLst>
+                        <p:par>
+                          <p:cTn id="4" fill="hold">
+                            <p:stCondLst>
+                              <p:cond delay="0"/>
+                            </p:stCondLst>
+                            <p:childTnLst>
+                              <p:par>
+                                <p:cTn id="5" presetID="10" presetClass="entr" presetSubtype="0" fill="hold" nodeType="afterEffect">
+                                  <p:stCondLst>
+                                    <p:cond delay="0"/>
+                                  </p:stCondLst>
+                                  <p:childTnLst>
+                                    <p:set>
+                                      <p:cBhvr>
+                                        <p:cTn id="6" dur="1" fill="hold">
+                                          <p:stCondLst>
+                                            <p:cond delay="0"/>
+                                          </p:stCondLst>
+                                        </p:cTn>
+                                        <p:tgtEl>
+                                          <p:spTgt spid="3">
+                                            <p:txEl>
+                                              <p:pRg st="0" end="0"/>
+                                            </p:txEl>
+                                          </p:spTgt>
+                                        </p:tgtEl>
+                                        <p:attrNameLst>
+                                          <p:attrName>style.visibility</p:attrName>
+                                        </p:attrNameLst>
+                                      </p:cBhvr>
+                                      <p:to>
+                                        <p:strVal val="visible"/>
+                                      </p:to>
+                                    </p:set>
+                                    <p:animEffect transition="in" filter="fade">
+                                      <p:cBhvr>
+                                        <p:cTn id="7" dur="250"/>
+                                        <p:tgtEl>
+                                          <p:spTgt spid="3">
+                                            <p:txEl>
+                                              <p:pRg st="0" end="0"/>
+                                            </p:txEl>
+                                          </p:spTgt>
+                                        </p:tgtEl>
+                                      </p:cBhvr>
+                                    </p:animEffect>
+                                  </p:childTnLst>
+                                </p:cTn>
+                              </p:par>
+                            </p:childTnLst>
+                          </p:cTn>
+                        </p:par>
+                        <p:par>
+                          <p:cTn id="8" fill="hold">
+                            <p:stCondLst>
+                              <p:cond delay="250"/>
+                            </p:stCondLst>
+                            <p:childTnLst>
+                              <p:par>
+                                <p:cTn id="9" presetID="10" presetClass="entr" presetSubtype="0" fill="hold" nodeType="afterEffect">
+                                  <p:stCondLst>
+                                    <p:cond delay="0"/>
+                                  </p:stCondLst>
+                                  <p:childTnLst>
+                                    <p:set>
+                                      <p:cBhvr>
+                                        <p:cTn id="10" dur="1" fill="hold">
+                                          <p:stCondLst>
+                                            <p:cond delay="0"/>
+                                          </p:stCondLst>
+                                        </p:cTn>
+                                        <p:tgtEl>
+                                          <p:spTgt spid="3">
+                                            <p:txEl>
+                                              <p:pRg st="3" end="3"/>
+                                            </p:txEl>
+                                          </p:spTgt>
+                                        </p:tgtEl>
+                                        <p:attrNameLst>
+                                          <p:attrName>style.visibility</p:attrName>
+                                        </p:attrNameLst>
+                                      </p:cBhvr>
+                                      <p:to>
+                                        <p:strVal val="visible"/>
+                                      </p:to>
+                                    </p:set>
+                                    <p:animEffect transition="in" filter="fade">
+                                      <p:cBhvr>
+                                        <p:cTn id="11" dur="250"/>
+                                        <p:tgtEl>
+                                          <p:spTgt spid="3">
+                                            <p:txEl>
+                                              <p:pRg st="3" end="3"/>
+                                            </p:txEl>
+                                          </p:spTgt>
+                                        </p:tgtEl>
+                                      </p:cBhvr>
+                                    </p:animEffect>
+                                  </p:childTnLst>
+                                </p:cTn>
+                              </p:par>
+                            </p:childTnLst>
+                          </p:cTn>
+                        </p:par>
+                      </p:childTnLst>
+                    </p:cTn>
+                  </p:par>
+                  <p:par>
+                    <p:cTn id="12" fill="hold">
+                      <p:stCondLst>
+                        <p:cond delay="indefinite"/>
+                      </p:stCondLst>
+                      <p:childTnLst>
+                        <p:par>
+                          <p:cTn id="13" fill="hold">
+                            <p:stCondLst>
+                              <p:cond delay="0"/>
+                            </p:stCondLst>
+                            <p:childTnLst>
+                              <p:par>
+                                <p:cTn id="14" presetID="10" presetClass="entr" presetSubtype="0" fill="hold" nodeType="clickEffect">
+                                  <p:stCondLst>
+                                    <p:cond delay="0"/>
+                                  </p:stCondLst>
+                                  <p:childTnLst>
+                                    <p:set>
+                                      <p:cBhvr>
+                                        <p:cTn id="15" dur="1" fill="hold">
+                                          <p:stCondLst>
+                                            <p:cond delay="0"/>
+                                          </p:stCondLst>
+                                        </p:cTn>
+                                        <p:tgtEl>
+                                          <p:spTgt spid="3">
+                                            <p:txEl>
+                                              <p:pRg st="1" end="1"/>
+                                            </p:txEl>
+                                          </p:spTgt>
+                                        </p:tgtEl>
+                                        <p:attrNameLst>
+                                          <p:attrName>style.visibility</p:attrName>
+                                        </p:attrNameLst>
+                                      </p:cBhvr>
+                                      <p:to>
+                                        <p:strVal val="visible"/>
+                                      </p:to>
+                                    </p:set>
+                                    <p:animEffect transition="in" filter="fade">
+                                      <p:cBhvr>
+                                        <p:cTn id="16" dur="250"/>
+                                        <p:tgtEl>
+                                          <p:spTgt spid="3">
+                                            <p:txEl>
+                                              <p:pRg st="1" end="1"/>
+                                            </p:txEl>
+                                          </p:spTgt>
+                                        </p:tgtEl>
+                                      </p:cBhvr>
+                                    </p:animEffect>
+                                  </p:childTnLst>
+                                </p:cTn>
+                              </p:par>
+                            </p:childTnLst>
+                          </p:cTn>
+                        </p:par>
+                      </p:childTnLst>
+                    </p:cTn>
+                  </p:par>
+                  <p:par>
+                    <p:cTn id="17" fill="hold">
+                      <p:stCondLst>
+                        <p:cond delay="indefinite"/>
+                      </p:stCondLst>
+                      <p:childTnLst>
+                        <p:par>
+                          <p:cTn id="18" fill="hold">
+                            <p:stCondLst>
+                              <p:cond delay="0"/>
+                            </p:stCondLst>
+                            <p:childTnLst>
+                              <p:par>
+                                <p:cTn id="19" presetID="10" presetClass="entr" presetSubtype="0" fill="hold" nodeType="clickEffect">
+                                  <p:stCondLst>
+                                    <p:cond delay="0"/>
+                                  </p:stCondLst>
+                                  <p:childTnLst>
+                                    <p:set>
+                                      <p:cBhvr>
+                                        <p:cTn id="20" dur="1" fill="hold">
+                                          <p:stCondLst>
+                                            <p:cond delay="0"/>
+                                          </p:stCondLst>
+                                        </p:cTn>
+                                        <p:tgtEl>
+                                          <p:spTgt spid="3">
+                                            <p:txEl>
+                                              <p:pRg st="2" end="2"/>
+                                            </p:txEl>
+                                          </p:spTgt>
+                                        </p:tgtEl>
+                                        <p:attrNameLst>
+                                          <p:attrName>style.visibility</p:attrName>
+                                        </p:attrNameLst>
+                                      </p:cBhvr>
+                                      <p:to>
+                                        <p:strVal val="visible"/>
+                                      </p:to>
+                                    </p:set>
+                                    <p:animEffect transition="in" filter="fade">
+                                      <p:cBhvr>
+                                        <p:cTn id="21" dur="250"/>
+                                        <p:tgtEl>
+                                          <p:spTgt spid="3">
+                                            <p:txEl>
+                                              <p:pRg st="2" end="2"/>
+                                            </p:txEl>
+                                          </p:spTgt>
+                                        </p:tgtEl>
+                                      </p:cBhvr>
+                                    </p:animEffect>
+                                  </p:childTnLst>
+                                </p:cTn>
+                              </p:par>
+                            </p:childTnLst>
+                          </p:cTn>
+                        </p:par>
+                      </p:childTnLst>
+                    </p:cTn>
+                  </p:par>
+                  <p:par>
+                    <p:cTn id="22" fill="hold">
+                      <p:stCondLst>
+                        <p:cond delay="indefinite"/>
+                      </p:stCondLst>
+                      <p:childTnLst>
+                        <p:par>
+                          <p:cTn id="23" fill="hold">
+                            <p:stCondLst>
+                              <p:cond delay="0"/>
+                            </p:stCondLst>
+                            <p:childTnLst>
+                              <p:par>
+                                <p:cTn id="24" presetID="10" presetClass="entr" presetSubtype="0" fill="hold" nodeType="clickEffect">
+                                  <p:stCondLst>
+                                    <p:cond delay="0"/>
+                                  </p:stCondLst>
+                                  <p:childTnLst>
+                                    <p:set>
+                                      <p:cBhvr>
+                                        <p:cTn id="25" dur="1" fill="hold">
+                                          <p:stCondLst>
+                                            <p:cond delay="0"/>
+                                          </p:stCondLst>
+                                        </p:cTn>
+                                        <p:tgtEl>
+                                          <p:spTgt spid="3">
+                                            <p:txEl>
+                                              <p:pRg st="4" end="4"/>
+                                            </p:txEl>
+                                          </p:spTgt>
+                                        </p:tgtEl>
+                                        <p:attrNameLst>
+                                          <p:attrName>style.visibility</p:attrName>
+                                        </p:attrNameLst>
+                                      </p:cBhvr>
+                                      <p:to>
+                                        <p:strVal val="visible"/>
+                                      </p:to>
+                                    </p:set>
+                                    <p:animEffect transition="in" filter="fade">
+                                      <p:cBhvr>
+                                        <p:cTn id="26" dur="250"/>
+                                        <p:tgtEl>
+                                          <p:spTgt spid="3">
+                                            <p:txEl>
+                                              <p:pRg st="4" end="4"/>
+                                            </p:txEl>
+                                          </p:spTgt>
+                                        </p:tgtEl>
+                                      </p:cBhvr>
+                                    </p:animEffect>
+                                  </p:childTnLst>
+                                </p:cTn>
+                              </p:par>
+                            </p:childTnLst>
+                          </p:cTn>
+                        </p:par>
+                      </p:childTnLst>
+                    </p:cTn>
+                  </p:par>
+                  <p:par>
+                    <p:cTn id="27" fill="hold">
+                      <p:stCondLst>
+                        <p:cond delay="indefinite"/>
+                      </p:stCondLst>
+                      <p:childTnLst>
+                        <p:par>
+                          <p:cTn id="28" fill="hold">
+                            <p:stCondLst>
+                              <p:cond delay="0"/>
+                            </p:stCondLst>
+                            <p:childTnLst>
+                              <p:par>
+                                <p:cTn id="29" presetID="10" presetClass="entr" presetSubtype="0" fill="hold" nodeType="clickEffect">
+                                  <p:stCondLst>
+                                    <p:cond delay="0"/>
+                                  </p:stCondLst>
+                                  <p:childTnLst>
+                                    <p:set>
+                                      <p:cBhvr>
+                                        <p:cTn id="30" dur="1" fill="hold">
+                                          <p:stCondLst>
+                                            <p:cond delay="0"/>
+                                          </p:stCondLst>
+                                        </p:cTn>
+                                        <p:tgtEl>
+                                          <p:spTgt spid="3">
+                                            <p:txEl>
+                                              <p:pRg st="5" end="5"/>
+                                            </p:txEl>
+                                          </p:spTgt>
+                                        </p:tgtEl>
+                                        <p:attrNameLst>
+                                          <p:attrName>style.visibility</p:attrName>
+                                        </p:attrNameLst>
+                                      </p:cBhvr>
+                                      <p:to>
+                                        <p:strVal val="visible"/>
+                                      </p:to>
+                                    </p:set>
+                                    <p:animEffect transition="in" filter="fade">
+                                      <p:cBhvr>
+                                        <p:cTn id="31" dur="250"/>
+                                        <p:tgtEl>
+                                          <p:spTgt spid="3">
+                                            <p:txEl>
+                                              <p:pRg st="5" end="5"/>
+                                            </p:txEl>
+                                          </p:spTgt>
+                                        </p:tgtEl>
+                                      </p:cBhvr>
+                                    </p:animEffect>
+                                  </p:childTnLst>
+                                </p:cTn>
+                              </p:par>
+                            </p:childTnLst>
+                          </p:cTn>
+                        </p:par>
+                        <p:par>
+                          <p:cTn id="32" fill="hold">
+                            <p:stCondLst>
+                              <p:cond delay="250"/>
+                            </p:stCondLst>
+                            <p:childTnLst>
+                              <p:par>
+                                <p:cTn id="33" presetID="10" presetClass="entr" presetSubtype="0" fill="hold" nodeType="afterEffect">
+                                  <p:stCondLst>
+                                    <p:cond delay="0"/>
+                                  </p:stCondLst>
+                                  <p:childTnLst>
+                                    <p:set>
+                                      <p:cBhvr>
+                                        <p:cTn id="34" dur="1" fill="hold">
+                                          <p:stCondLst>
+                                            <p:cond delay="0"/>
+                                          </p:stCondLst>
+                                        </p:cTn>
+                                        <p:tgtEl>
+                                          <p:spTgt spid="3">
+                                            <p:txEl>
+                                              <p:pRg st="6" end="6"/>
+                                            </p:txEl>
+                                          </p:spTgt>
+                                        </p:tgtEl>
+                                        <p:attrNameLst>
+                                          <p:attrName>style.visibility</p:attrName>
+                                        </p:attrNameLst>
+                                      </p:cBhvr>
+                                      <p:to>
+                                        <p:strVal val="visible"/>
+                                      </p:to>
+                                    </p:set>
+                                    <p:animEffect transition="in" filter="fade">
+                                      <p:cBhvr>
+                                        <p:cTn id="35" dur="250"/>
+                                        <p:tgtEl>
+                                          <p:spTgt spid="3">
+                                            <p:txEl>
+                                              <p:pRg st="6" end="6"/>
+                                            </p:txEl>
+                                          </p:spTgt>
+                                        </p:tgtEl>
+                                      </p:cBhvr>
+                                    </p:animEffect>
+                                  </p:childTnLst>
+                                </p:cTn>
+                              </p:par>
+                            </p:childTnLst>
+                          </p:cTn>
+                        </p:par>
+                      </p:childTnLst>
+                    </p:cTn>
+                  </p:par>
+                </p:childTnLst>
+              </p:cTn>
+              <p:prevCondLst>
+                <p:cond evt="onPrev" delay="0">
+                  <p:tgtEl>
+                    <p:sldTgt/>
+                  </p:tgtEl>
+                </p:cond>
+              </p:prevCondLst>
+              <p:nextCondLst>
+                <p:cond evt="onNext" delay="0">
+                  <p:tgtEl>
+                    <p:sldTgt/>
+                  </p:tgtEl>
+                </p:cond>
+              </p:nextCondLst>
+            </p:seq>
+          </p:childTnLst>
+        </p:cTn>
+      </p:par>
+    </p:tnLst>
+  </p:timing>
+</p:sld>
+</file>
+
+<file path=ppt/slides/slide15.xml><?xml version="1.0" encoding="utf-8"?>
+<p:sld xmlns:a="http://schemas.openxmlformats.org/drawingml/2006/main" xmlns:r="http://schemas.openxmlformats.org/officeDocument/2006/relationships" xmlns:p="http://schemas.openxmlformats.org/presentationml/2006/main" show="0">
+  <p:cSld>
+    <p:spTree>
+      <p:nvGrpSpPr>
+        <p:cNvPr id="1" name=""/>
+        <p:cNvGrpSpPr/>
+        <p:nvPr/>
+      </p:nvGrpSpPr>
+      <p:grpSpPr>
+        <a:xfrm>
+          <a:off x="0" y="0"/>
+          <a:ext cx="0" cy="0"/>
+          <a:chOff x="0" y="0"/>
+          <a:chExt cx="0" cy="0"/>
+        </a:xfrm>
+      </p:grpSpPr>
+      <p:sp>
+        <p:nvSpPr>
+          <p:cNvPr id="2" name="Title 1"/>
+          <p:cNvSpPr>
+            <a:spLocks noGrp="1"/>
+          </p:cNvSpPr>
+          <p:nvPr>
+            <p:ph type="title"/>
+          </p:nvPr>
+        </p:nvSpPr>
         <p:spPr/>
         <p:txBody>
           <a:bodyPr/>
@@ -6994,7 +7824,7 @@
             </a:r>
             <a:r>
               <a:rPr lang="hr-HR" u="sng" dirty="0" smtClean="0"/>
-              <a:t>temelji na stvarnim potrebama i iskustvu iz prošlih vremena</a:t>
+              <a:t>temelji na stvarnim potrebama i prethodnom iskustvu</a:t>
             </a:r>
           </a:p>
           <a:p>
@@ -7004,15 +7834,15 @@
               </a:spcBef>
             </a:pPr>
             <a:r>
-              <a:rPr lang="hr-HR" i="1" dirty="0" smtClean="0"/>
+              <a:rPr lang="hr-HR" sz="2400" i="1" dirty="0" smtClean="0"/>
               <a:t>restoran ili hotel su formalne organizacije jer svako radno mjesto ima propisane dužnosti – npr. sobarica treba pospremiti 15 soba dnevno, konobar poslužiti 30 gostiju, kuhar spremiti 50 obroka i </a:t>
             </a:r>
             <a:r>
-              <a:rPr lang="hr-HR" i="1" dirty="0" err="1" smtClean="0"/>
+              <a:rPr lang="hr-HR" sz="2400" i="1" dirty="0" err="1" smtClean="0"/>
               <a:t>sl</a:t>
             </a:r>
             <a:r>
-              <a:rPr lang="hr-HR" i="1" dirty="0" smtClean="0"/>
+              <a:rPr lang="hr-HR" sz="2400" i="1" dirty="0" smtClean="0"/>
               <a:t>. </a:t>
             </a:r>
           </a:p>
@@ -7032,14 +7862,14 @@
   <p:clrMapOvr>
     <a:masterClrMapping/>
   </p:clrMapOvr>
-  <mc:AlternateContent xmlns:mc="http://schemas.openxmlformats.org/markup-compatibility/2006" xmlns:p14="http://schemas.microsoft.com/office/powerpoint/2010/main">
-    <mc:Choice Requires="p14">
-      <p:transition spd="med" p14:dur="700">
+  <mc:AlternateContent xmlns:mc="http://schemas.openxmlformats.org/markup-compatibility/2006">
+    <mc:Choice xmlns:p14="http://schemas.microsoft.com/office/powerpoint/2010/main" Requires="p14">
+      <p:transition p14:dur="250">
         <p:fade/>
       </p:transition>
     </mc:Choice>
-    <mc:Fallback xmlns="">
-      <p:transition spd="med">
+    <mc:Fallback>
+      <p:transition>
         <p:fade/>
       </p:transition>
     </mc:Fallback>
@@ -7206,439 +8036,6 @@
                                           <p:spTgt spid="3">
                                             <p:txEl>
                                               <p:pRg st="2" end="2"/>
-                                            </p:txEl>
-                                          </p:spTgt>
-                                        </p:tgtEl>
-                                      </p:cBhvr>
-                                    </p:animEffect>
-                                  </p:childTnLst>
-                                </p:cTn>
-                              </p:par>
-                            </p:childTnLst>
-                          </p:cTn>
-                        </p:par>
-                      </p:childTnLst>
-                    </p:cTn>
-                  </p:par>
-                </p:childTnLst>
-              </p:cTn>
-              <p:prevCondLst>
-                <p:cond evt="onPrev" delay="0">
-                  <p:tgtEl>
-                    <p:sldTgt/>
-                  </p:tgtEl>
-                </p:cond>
-              </p:prevCondLst>
-              <p:nextCondLst>
-                <p:cond evt="onNext" delay="0">
-                  <p:tgtEl>
-                    <p:sldTgt/>
-                  </p:tgtEl>
-                </p:cond>
-              </p:nextCondLst>
-            </p:seq>
-          </p:childTnLst>
-        </p:cTn>
-      </p:par>
-    </p:tnLst>
-    <p:bldLst>
-      <p:bldP spid="3" grpId="0" uiExpand="1" build="p"/>
-    </p:bldLst>
-  </p:timing>
-</p:sld>
-</file>
-
-<file path=ppt/slides/slide15.xml><?xml version="1.0" encoding="utf-8"?>
-<p:sld xmlns:a="http://schemas.openxmlformats.org/drawingml/2006/main" xmlns:r="http://schemas.openxmlformats.org/officeDocument/2006/relationships" xmlns:p="http://schemas.openxmlformats.org/presentationml/2006/main">
-  <p:cSld>
-    <p:spTree>
-      <p:nvGrpSpPr>
-        <p:cNvPr id="1" name=""/>
-        <p:cNvGrpSpPr/>
-        <p:nvPr/>
-      </p:nvGrpSpPr>
-      <p:grpSpPr>
-        <a:xfrm>
-          <a:off x="0" y="0"/>
-          <a:ext cx="0" cy="0"/>
-          <a:chOff x="0" y="0"/>
-          <a:chExt cx="0" cy="0"/>
-        </a:xfrm>
-      </p:grpSpPr>
-      <p:sp>
-        <p:nvSpPr>
-          <p:cNvPr id="2" name="Title 1"/>
-          <p:cNvSpPr>
-            <a:spLocks noGrp="1"/>
-          </p:cNvSpPr>
-          <p:nvPr>
-            <p:ph type="title"/>
-          </p:nvPr>
-        </p:nvSpPr>
-        <p:spPr/>
-        <p:txBody>
-          <a:bodyPr/>
-          <a:lstStyle/>
-          <a:p>
-            <a:r>
-              <a:rPr lang="hr-HR" dirty="0" smtClean="0"/>
-              <a:t>Formalna i neformalna organizacija</a:t>
-            </a:r>
-            <a:endParaRPr lang="hr-HR" dirty="0"/>
-          </a:p>
-        </p:txBody>
-      </p:sp>
-      <p:sp>
-        <p:nvSpPr>
-          <p:cNvPr id="3" name="Content Placeholder 2"/>
-          <p:cNvSpPr>
-            <a:spLocks noGrp="1"/>
-          </p:cNvSpPr>
-          <p:nvPr>
-            <p:ph idx="1"/>
-          </p:nvPr>
-        </p:nvSpPr>
-        <p:spPr>
-          <a:xfrm>
-            <a:off x="214282" y="1000108"/>
-            <a:ext cx="8715436" cy="5643602"/>
-          </a:xfrm>
-        </p:spPr>
-        <p:txBody>
-          <a:bodyPr>
-            <a:noAutofit/>
-          </a:bodyPr>
-          <a:lstStyle/>
-          <a:p>
-            <a:pPr lvl="0">
-              <a:spcBef>
-                <a:spcPts val="1800"/>
-              </a:spcBef>
-            </a:pPr>
-            <a:r>
-              <a:rPr lang="hr-HR" b="1" dirty="0" smtClean="0">
-                <a:solidFill>
-                  <a:srgbClr val="FF0000"/>
-                </a:solidFill>
-              </a:rPr>
-              <a:t>NEFORMALNA ORGANIZACIJA </a:t>
-            </a:r>
-            <a:r>
-              <a:rPr lang="hr-HR" dirty="0" smtClean="0"/>
-              <a:t>– ona organizacija koju </a:t>
-            </a:r>
-            <a:r>
-              <a:rPr lang="hr-HR" b="1" dirty="0" smtClean="0">
-                <a:solidFill>
-                  <a:srgbClr val="FF0000"/>
-                </a:solidFill>
-              </a:rPr>
-              <a:t>nije unaprijed propisalo </a:t>
-            </a:r>
-            <a:r>
-              <a:rPr lang="hr-HR" dirty="0" smtClean="0"/>
-              <a:t>i </a:t>
-            </a:r>
-            <a:r>
-              <a:rPr lang="hr-HR" b="1" dirty="0" smtClean="0">
-                <a:solidFill>
-                  <a:srgbClr val="FF0000"/>
-                </a:solidFill>
-              </a:rPr>
-              <a:t>odobrilo odgovarajuće upravljačko tijelo</a:t>
-            </a:r>
-            <a:r>
-              <a:rPr lang="hr-HR" dirty="0" smtClean="0"/>
-              <a:t>, već se </a:t>
-            </a:r>
-            <a:r>
-              <a:rPr lang="hr-HR" b="1" dirty="0" smtClean="0">
-                <a:solidFill>
-                  <a:srgbClr val="FF0000"/>
-                </a:solidFill>
-              </a:rPr>
-              <a:t>silom prilika </a:t>
-            </a:r>
-            <a:r>
-              <a:rPr lang="hr-HR" dirty="0" smtClean="0"/>
-              <a:t>stvara po potrebi</a:t>
-            </a:r>
-          </a:p>
-          <a:p>
-            <a:pPr lvl="0">
-              <a:spcBef>
-                <a:spcPts val="1800"/>
-              </a:spcBef>
-            </a:pPr>
-            <a:r>
-              <a:rPr lang="hr-HR" dirty="0" smtClean="0"/>
-              <a:t>provode je voditelji odjela, kuhinje, blagovaonice, recepcije i dr.</a:t>
-            </a:r>
-          </a:p>
-          <a:p>
-            <a:pPr lvl="0">
-              <a:spcBef>
-                <a:spcPts val="1800"/>
-              </a:spcBef>
-            </a:pPr>
-            <a:r>
-              <a:rPr lang="hr-HR" dirty="0" smtClean="0"/>
-              <a:t>nazivaju se i „improviziranim organizacijama posla”</a:t>
-            </a:r>
-          </a:p>
-          <a:p>
-            <a:pPr lvl="0">
-              <a:spcBef>
-                <a:spcPts val="1800"/>
-              </a:spcBef>
-            </a:pPr>
-            <a:r>
-              <a:rPr lang="hr-HR" i="1" dirty="0" smtClean="0"/>
-              <a:t>npr. nastaje kada neki radnik izostane s posla ili kada nenajavljeno dođe velika skupina gostiju u restoran ili hotel – u tom slučaju sobarica će pospremiti 30 soba, konobar će poslužiti  50 gostiju, a kuhar će spremiti 80 obroka i </a:t>
-            </a:r>
-            <a:r>
-              <a:rPr lang="hr-HR" i="1" dirty="0" err="1" smtClean="0"/>
-              <a:t>sl</a:t>
-            </a:r>
-            <a:r>
-              <a:rPr lang="hr-HR" i="1" dirty="0" smtClean="0"/>
-              <a:t>.</a:t>
-            </a:r>
-            <a:endParaRPr lang="hr-HR" dirty="0" smtClean="0"/>
-          </a:p>
-        </p:txBody>
-      </p:sp>
-    </p:spTree>
-  </p:cSld>
-  <p:clrMapOvr>
-    <a:masterClrMapping/>
-  </p:clrMapOvr>
-  <mc:AlternateContent xmlns:mc="http://schemas.openxmlformats.org/markup-compatibility/2006" xmlns:p14="http://schemas.microsoft.com/office/powerpoint/2010/main">
-    <mc:Choice Requires="p14">
-      <p:transition spd="med" p14:dur="700">
-        <p:fade/>
-      </p:transition>
-    </mc:Choice>
-    <mc:Fallback xmlns="">
-      <p:transition spd="med">
-        <p:fade/>
-      </p:transition>
-    </mc:Fallback>
-  </mc:AlternateContent>
-  <p:timing>
-    <p:tnLst>
-      <p:par>
-        <p:cTn id="1" dur="indefinite" restart="never" nodeType="tmRoot">
-          <p:childTnLst>
-            <p:seq concurrent="1" nextAc="seek">
-              <p:cTn id="2" dur="indefinite" nodeType="mainSeq">
-                <p:childTnLst>
-                  <p:par>
-                    <p:cTn id="3" fill="hold">
-                      <p:stCondLst>
-                        <p:cond delay="indefinite"/>
-                        <p:cond evt="onBegin" delay="0">
-                          <p:tn val="2"/>
-                        </p:cond>
-                      </p:stCondLst>
-                      <p:childTnLst>
-                        <p:par>
-                          <p:cTn id="4" fill="hold">
-                            <p:stCondLst>
-                              <p:cond delay="0"/>
-                            </p:stCondLst>
-                            <p:childTnLst>
-                              <p:par>
-                                <p:cTn id="5" presetID="10" presetClass="entr" presetSubtype="0" fill="hold" grpId="0" nodeType="afterEffect">
-                                  <p:stCondLst>
-                                    <p:cond delay="0"/>
-                                  </p:stCondLst>
-                                  <p:childTnLst>
-                                    <p:set>
-                                      <p:cBhvr>
-                                        <p:cTn id="6" dur="1" fill="hold">
-                                          <p:stCondLst>
-                                            <p:cond delay="0"/>
-                                          </p:stCondLst>
-                                        </p:cTn>
-                                        <p:tgtEl>
-                                          <p:spTgt spid="3">
-                                            <p:txEl>
-                                              <p:pRg st="0" end="0"/>
-                                            </p:txEl>
-                                          </p:spTgt>
-                                        </p:tgtEl>
-                                        <p:attrNameLst>
-                                          <p:attrName>style.visibility</p:attrName>
-                                        </p:attrNameLst>
-                                      </p:cBhvr>
-                                      <p:to>
-                                        <p:strVal val="visible"/>
-                                      </p:to>
-                                    </p:set>
-                                    <p:animEffect transition="in" filter="fade">
-                                      <p:cBhvr>
-                                        <p:cTn id="7" dur="500"/>
-                                        <p:tgtEl>
-                                          <p:spTgt spid="3">
-                                            <p:txEl>
-                                              <p:pRg st="0" end="0"/>
-                                            </p:txEl>
-                                          </p:spTgt>
-                                        </p:tgtEl>
-                                      </p:cBhvr>
-                                    </p:animEffect>
-                                  </p:childTnLst>
-                                </p:cTn>
-                              </p:par>
-                            </p:childTnLst>
-                          </p:cTn>
-                        </p:par>
-                        <p:par>
-                          <p:cTn id="8" fill="hold">
-                            <p:stCondLst>
-                              <p:cond delay="500"/>
-                            </p:stCondLst>
-                            <p:childTnLst>
-                              <p:par>
-                                <p:cTn id="9" presetID="10" presetClass="entr" presetSubtype="0" fill="hold" grpId="0" nodeType="afterEffect">
-                                  <p:stCondLst>
-                                    <p:cond delay="0"/>
-                                  </p:stCondLst>
-                                  <p:childTnLst>
-                                    <p:set>
-                                      <p:cBhvr>
-                                        <p:cTn id="10" dur="1" fill="hold">
-                                          <p:stCondLst>
-                                            <p:cond delay="0"/>
-                                          </p:stCondLst>
-                                        </p:cTn>
-                                        <p:tgtEl>
-                                          <p:spTgt spid="3">
-                                            <p:txEl>
-                                              <p:pRg st="1" end="1"/>
-                                            </p:txEl>
-                                          </p:spTgt>
-                                        </p:tgtEl>
-                                        <p:attrNameLst>
-                                          <p:attrName>style.visibility</p:attrName>
-                                        </p:attrNameLst>
-                                      </p:cBhvr>
-                                      <p:to>
-                                        <p:strVal val="visible"/>
-                                      </p:to>
-                                    </p:set>
-                                    <p:animEffect transition="in" filter="fade">
-                                      <p:cBhvr>
-                                        <p:cTn id="11" dur="500"/>
-                                        <p:tgtEl>
-                                          <p:spTgt spid="3">
-                                            <p:txEl>
-                                              <p:pRg st="1" end="1"/>
-                                            </p:txEl>
-                                          </p:spTgt>
-                                        </p:tgtEl>
-                                      </p:cBhvr>
-                                    </p:animEffect>
-                                  </p:childTnLst>
-                                </p:cTn>
-                              </p:par>
-                            </p:childTnLst>
-                          </p:cTn>
-                        </p:par>
-                        <p:par>
-                          <p:cTn id="12" fill="hold">
-                            <p:stCondLst>
-                              <p:cond delay="1000"/>
-                            </p:stCondLst>
-                            <p:childTnLst>
-                              <p:par>
-                                <p:cTn id="13" presetID="10" presetClass="entr" presetSubtype="0" fill="hold" grpId="0" nodeType="afterEffect">
-                                  <p:stCondLst>
-                                    <p:cond delay="0"/>
-                                  </p:stCondLst>
-                                  <p:childTnLst>
-                                    <p:set>
-                                      <p:cBhvr>
-                                        <p:cTn id="14" dur="1" fill="hold">
-                                          <p:stCondLst>
-                                            <p:cond delay="0"/>
-                                          </p:stCondLst>
-                                        </p:cTn>
-                                        <p:tgtEl>
-                                          <p:spTgt spid="3">
-                                            <p:txEl>
-                                              <p:pRg st="2" end="2"/>
-                                            </p:txEl>
-                                          </p:spTgt>
-                                        </p:tgtEl>
-                                        <p:attrNameLst>
-                                          <p:attrName>style.visibility</p:attrName>
-                                        </p:attrNameLst>
-                                      </p:cBhvr>
-                                      <p:to>
-                                        <p:strVal val="visible"/>
-                                      </p:to>
-                                    </p:set>
-                                    <p:animEffect transition="in" filter="fade">
-                                      <p:cBhvr>
-                                        <p:cTn id="15" dur="500"/>
-                                        <p:tgtEl>
-                                          <p:spTgt spid="3">
-                                            <p:txEl>
-                                              <p:pRg st="2" end="2"/>
-                                            </p:txEl>
-                                          </p:spTgt>
-                                        </p:tgtEl>
-                                      </p:cBhvr>
-                                    </p:animEffect>
-                                  </p:childTnLst>
-                                </p:cTn>
-                              </p:par>
-                            </p:childTnLst>
-                          </p:cTn>
-                        </p:par>
-                        <p:par>
-                          <p:cTn id="16" fill="hold">
-                            <p:stCondLst>
-                              <p:cond delay="1500"/>
-                            </p:stCondLst>
-                            <p:childTnLst>
-                              <p:par>
-                                <p:cTn id="17" presetID="10" presetClass="entr" presetSubtype="0" fill="hold" grpId="0" nodeType="afterEffect">
-                                  <p:stCondLst>
-                                    <p:cond delay="0"/>
-                                  </p:stCondLst>
-                                  <p:childTnLst>
-                                    <p:set>
-                                      <p:cBhvr>
-                                        <p:cTn id="18" dur="1" fill="hold">
-                                          <p:stCondLst>
-                                            <p:cond delay="0"/>
-                                          </p:stCondLst>
-                                        </p:cTn>
-                                        <p:tgtEl>
-                                          <p:spTgt spid="3">
-                                            <p:txEl>
-                                              <p:pRg st="3" end="3"/>
-                                            </p:txEl>
-                                          </p:spTgt>
-                                        </p:tgtEl>
-                                        <p:attrNameLst>
-                                          <p:attrName>style.visibility</p:attrName>
-                                        </p:attrNameLst>
-                                      </p:cBhvr>
-                                      <p:to>
-                                        <p:strVal val="visible"/>
-                                      </p:to>
-                                    </p:set>
-                                    <p:animEffect transition="in" filter="fade">
-                                      <p:cBhvr>
-                                        <p:cTn id="19" dur="500"/>
-                                        <p:tgtEl>
-                                          <p:spTgt spid="3">
-                                            <p:txEl>
-                                              <p:pRg st="3" end="3"/>
                                             </p:txEl>
                                           </p:spTgt>
                                         </p:tgtEl>
@@ -7682,6 +8079,447 @@
 </file>
 
 <file path=ppt/slides/slide16.xml><?xml version="1.0" encoding="utf-8"?>
+<p:sld xmlns:a="http://schemas.openxmlformats.org/drawingml/2006/main" xmlns:r="http://schemas.openxmlformats.org/officeDocument/2006/relationships" xmlns:p="http://schemas.openxmlformats.org/presentationml/2006/main" show="0">
+  <p:cSld>
+    <p:spTree>
+      <p:nvGrpSpPr>
+        <p:cNvPr id="1" name=""/>
+        <p:cNvGrpSpPr/>
+        <p:nvPr/>
+      </p:nvGrpSpPr>
+      <p:grpSpPr>
+        <a:xfrm>
+          <a:off x="0" y="0"/>
+          <a:ext cx="0" cy="0"/>
+          <a:chOff x="0" y="0"/>
+          <a:chExt cx="0" cy="0"/>
+        </a:xfrm>
+      </p:grpSpPr>
+      <p:sp>
+        <p:nvSpPr>
+          <p:cNvPr id="2" name="Title 1"/>
+          <p:cNvSpPr>
+            <a:spLocks noGrp="1"/>
+          </p:cNvSpPr>
+          <p:nvPr>
+            <p:ph type="title"/>
+          </p:nvPr>
+        </p:nvSpPr>
+        <p:spPr/>
+        <p:txBody>
+          <a:bodyPr/>
+          <a:lstStyle/>
+          <a:p>
+            <a:r>
+              <a:rPr lang="hr-HR" dirty="0" smtClean="0"/>
+              <a:t>Formalna i neformalna organizacija</a:t>
+            </a:r>
+            <a:endParaRPr lang="hr-HR" dirty="0"/>
+          </a:p>
+        </p:txBody>
+      </p:sp>
+      <p:sp>
+        <p:nvSpPr>
+          <p:cNvPr id="3" name="Content Placeholder 2"/>
+          <p:cNvSpPr>
+            <a:spLocks noGrp="1"/>
+          </p:cNvSpPr>
+          <p:nvPr>
+            <p:ph idx="1"/>
+          </p:nvPr>
+        </p:nvSpPr>
+        <p:spPr>
+          <a:xfrm>
+            <a:off x="214282" y="1000108"/>
+            <a:ext cx="8715436" cy="5643602"/>
+          </a:xfrm>
+        </p:spPr>
+        <p:txBody>
+          <a:bodyPr>
+            <a:noAutofit/>
+          </a:bodyPr>
+          <a:lstStyle/>
+          <a:p>
+            <a:pPr lvl="0">
+              <a:spcBef>
+                <a:spcPts val="1800"/>
+              </a:spcBef>
+            </a:pPr>
+            <a:r>
+              <a:rPr lang="hr-HR" b="1" dirty="0" smtClean="0">
+                <a:solidFill>
+                  <a:srgbClr val="FF0000"/>
+                </a:solidFill>
+              </a:rPr>
+              <a:t>NEFORMALNA ORGANIZACIJA </a:t>
+            </a:r>
+            <a:r>
+              <a:rPr lang="hr-HR" dirty="0" smtClean="0"/>
+              <a:t>– ona organizacija koju </a:t>
+            </a:r>
+            <a:r>
+              <a:rPr lang="hr-HR" b="1" dirty="0" smtClean="0">
+                <a:solidFill>
+                  <a:srgbClr val="FF0000"/>
+                </a:solidFill>
+              </a:rPr>
+              <a:t>nije unaprijed propisalo </a:t>
+            </a:r>
+            <a:r>
+              <a:rPr lang="hr-HR" dirty="0" smtClean="0"/>
+              <a:t>i </a:t>
+            </a:r>
+            <a:r>
+              <a:rPr lang="hr-HR" b="1" dirty="0" smtClean="0">
+                <a:solidFill>
+                  <a:srgbClr val="FF0000"/>
+                </a:solidFill>
+              </a:rPr>
+              <a:t>odobrilo odgovarajuće upravljačko tijelo</a:t>
+            </a:r>
+            <a:r>
+              <a:rPr lang="hr-HR" dirty="0" smtClean="0"/>
+              <a:t>, već se </a:t>
+            </a:r>
+            <a:r>
+              <a:rPr lang="hr-HR" b="1" dirty="0" smtClean="0">
+                <a:solidFill>
+                  <a:srgbClr val="FF0000"/>
+                </a:solidFill>
+              </a:rPr>
+              <a:t>silom prilika </a:t>
+            </a:r>
+            <a:r>
+              <a:rPr lang="hr-HR" dirty="0" smtClean="0"/>
+              <a:t>stvara po potrebi</a:t>
+            </a:r>
+          </a:p>
+          <a:p>
+            <a:pPr lvl="0">
+              <a:spcBef>
+                <a:spcPts val="1800"/>
+              </a:spcBef>
+            </a:pPr>
+            <a:r>
+              <a:rPr lang="hr-HR" dirty="0" smtClean="0"/>
+              <a:t>provode je voditelji odjela, kuhinje, blagovaonice, recepcije i dr.</a:t>
+            </a:r>
+          </a:p>
+          <a:p>
+            <a:pPr lvl="0">
+              <a:spcBef>
+                <a:spcPts val="1800"/>
+              </a:spcBef>
+            </a:pPr>
+            <a:r>
+              <a:rPr lang="hr-HR" dirty="0" smtClean="0"/>
+              <a:t>nazivaju se i „</a:t>
+            </a:r>
+            <a:r>
+              <a:rPr lang="hr-HR" b="1" dirty="0" smtClean="0"/>
+              <a:t>improviziranim</a:t>
+            </a:r>
+            <a:r>
+              <a:rPr lang="hr-HR" dirty="0" smtClean="0"/>
+              <a:t> organizacijama posla”</a:t>
+            </a:r>
+          </a:p>
+          <a:p>
+            <a:pPr lvl="0">
+              <a:spcBef>
+                <a:spcPts val="1800"/>
+              </a:spcBef>
+            </a:pPr>
+            <a:r>
+              <a:rPr lang="hr-HR" sz="2400" i="1" dirty="0" smtClean="0"/>
+              <a:t>npr. nastaje kada neki radnik izostane s posla ili kada nenajavljeno dođe velika skupina gostiju u restoran ili hotel – u tom slučaju sobarica će pospremiti 30 soba, konobar će poslužiti  50 gostiju, a kuhar će spremiti 80 obroka i </a:t>
+            </a:r>
+            <a:r>
+              <a:rPr lang="hr-HR" sz="2400" i="1" dirty="0" err="1" smtClean="0"/>
+              <a:t>sl</a:t>
+            </a:r>
+            <a:r>
+              <a:rPr lang="hr-HR" sz="2400" i="1" dirty="0" smtClean="0"/>
+              <a:t>.</a:t>
+            </a:r>
+            <a:endParaRPr lang="hr-HR" sz="2400" dirty="0" smtClean="0"/>
+          </a:p>
+        </p:txBody>
+      </p:sp>
+    </p:spTree>
+  </p:cSld>
+  <p:clrMapOvr>
+    <a:masterClrMapping/>
+  </p:clrMapOvr>
+  <mc:AlternateContent xmlns:mc="http://schemas.openxmlformats.org/markup-compatibility/2006">
+    <mc:Choice xmlns:p14="http://schemas.microsoft.com/office/powerpoint/2010/main" Requires="p14">
+      <p:transition p14:dur="250">
+        <p:fade/>
+      </p:transition>
+    </mc:Choice>
+    <mc:Fallback>
+      <p:transition>
+        <p:fade/>
+      </p:transition>
+    </mc:Fallback>
+  </mc:AlternateContent>
+  <p:timing>
+    <p:tnLst>
+      <p:par>
+        <p:cTn id="1" dur="indefinite" restart="never" nodeType="tmRoot">
+          <p:childTnLst>
+            <p:seq concurrent="1" nextAc="seek">
+              <p:cTn id="2" dur="indefinite" nodeType="mainSeq">
+                <p:childTnLst>
+                  <p:par>
+                    <p:cTn id="3" fill="hold">
+                      <p:stCondLst>
+                        <p:cond delay="indefinite"/>
+                        <p:cond evt="onBegin" delay="0">
+                          <p:tn val="2"/>
+                        </p:cond>
+                      </p:stCondLst>
+                      <p:childTnLst>
+                        <p:par>
+                          <p:cTn id="4" fill="hold">
+                            <p:stCondLst>
+                              <p:cond delay="0"/>
+                            </p:stCondLst>
+                            <p:childTnLst>
+                              <p:par>
+                                <p:cTn id="5" presetID="10" presetClass="entr" presetSubtype="0" fill="hold" grpId="0" nodeType="afterEffect">
+                                  <p:stCondLst>
+                                    <p:cond delay="0"/>
+                                  </p:stCondLst>
+                                  <p:childTnLst>
+                                    <p:set>
+                                      <p:cBhvr>
+                                        <p:cTn id="6" dur="1" fill="hold">
+                                          <p:stCondLst>
+                                            <p:cond delay="0"/>
+                                          </p:stCondLst>
+                                        </p:cTn>
+                                        <p:tgtEl>
+                                          <p:spTgt spid="3">
+                                            <p:txEl>
+                                              <p:pRg st="0" end="0"/>
+                                            </p:txEl>
+                                          </p:spTgt>
+                                        </p:tgtEl>
+                                        <p:attrNameLst>
+                                          <p:attrName>style.visibility</p:attrName>
+                                        </p:attrNameLst>
+                                      </p:cBhvr>
+                                      <p:to>
+                                        <p:strVal val="visible"/>
+                                      </p:to>
+                                    </p:set>
+                                    <p:animEffect transition="in" filter="fade">
+                                      <p:cBhvr>
+                                        <p:cTn id="7" dur="500"/>
+                                        <p:tgtEl>
+                                          <p:spTgt spid="3">
+                                            <p:txEl>
+                                              <p:pRg st="0" end="0"/>
+                                            </p:txEl>
+                                          </p:spTgt>
+                                        </p:tgtEl>
+                                      </p:cBhvr>
+                                    </p:animEffect>
+                                  </p:childTnLst>
+                                </p:cTn>
+                              </p:par>
+                            </p:childTnLst>
+                          </p:cTn>
+                        </p:par>
+                        <p:par>
+                          <p:cTn id="8" fill="hold">
+                            <p:stCondLst>
+                              <p:cond delay="500"/>
+                            </p:stCondLst>
+                            <p:childTnLst>
+                              <p:par>
+                                <p:cTn id="9" presetID="10" presetClass="entr" presetSubtype="0" fill="hold" grpId="0" nodeType="afterEffect">
+                                  <p:stCondLst>
+                                    <p:cond delay="0"/>
+                                  </p:stCondLst>
+                                  <p:childTnLst>
+                                    <p:set>
+                                      <p:cBhvr>
+                                        <p:cTn id="10" dur="1" fill="hold">
+                                          <p:stCondLst>
+                                            <p:cond delay="0"/>
+                                          </p:stCondLst>
+                                        </p:cTn>
+                                        <p:tgtEl>
+                                          <p:spTgt spid="3">
+                                            <p:txEl>
+                                              <p:pRg st="1" end="1"/>
+                                            </p:txEl>
+                                          </p:spTgt>
+                                        </p:tgtEl>
+                                        <p:attrNameLst>
+                                          <p:attrName>style.visibility</p:attrName>
+                                        </p:attrNameLst>
+                                      </p:cBhvr>
+                                      <p:to>
+                                        <p:strVal val="visible"/>
+                                      </p:to>
+                                    </p:set>
+                                    <p:animEffect transition="in" filter="fade">
+                                      <p:cBhvr>
+                                        <p:cTn id="11" dur="500"/>
+                                        <p:tgtEl>
+                                          <p:spTgt spid="3">
+                                            <p:txEl>
+                                              <p:pRg st="1" end="1"/>
+                                            </p:txEl>
+                                          </p:spTgt>
+                                        </p:tgtEl>
+                                      </p:cBhvr>
+                                    </p:animEffect>
+                                  </p:childTnLst>
+                                </p:cTn>
+                              </p:par>
+                            </p:childTnLst>
+                          </p:cTn>
+                        </p:par>
+                        <p:par>
+                          <p:cTn id="12" fill="hold">
+                            <p:stCondLst>
+                              <p:cond delay="1000"/>
+                            </p:stCondLst>
+                            <p:childTnLst>
+                              <p:par>
+                                <p:cTn id="13" presetID="10" presetClass="entr" presetSubtype="0" fill="hold" grpId="0" nodeType="afterEffect">
+                                  <p:stCondLst>
+                                    <p:cond delay="0"/>
+                                  </p:stCondLst>
+                                  <p:childTnLst>
+                                    <p:set>
+                                      <p:cBhvr>
+                                        <p:cTn id="14" dur="1" fill="hold">
+                                          <p:stCondLst>
+                                            <p:cond delay="0"/>
+                                          </p:stCondLst>
+                                        </p:cTn>
+                                        <p:tgtEl>
+                                          <p:spTgt spid="3">
+                                            <p:txEl>
+                                              <p:pRg st="2" end="2"/>
+                                            </p:txEl>
+                                          </p:spTgt>
+                                        </p:tgtEl>
+                                        <p:attrNameLst>
+                                          <p:attrName>style.visibility</p:attrName>
+                                        </p:attrNameLst>
+                                      </p:cBhvr>
+                                      <p:to>
+                                        <p:strVal val="visible"/>
+                                      </p:to>
+                                    </p:set>
+                                    <p:animEffect transition="in" filter="fade">
+                                      <p:cBhvr>
+                                        <p:cTn id="15" dur="500"/>
+                                        <p:tgtEl>
+                                          <p:spTgt spid="3">
+                                            <p:txEl>
+                                              <p:pRg st="2" end="2"/>
+                                            </p:txEl>
+                                          </p:spTgt>
+                                        </p:tgtEl>
+                                      </p:cBhvr>
+                                    </p:animEffect>
+                                  </p:childTnLst>
+                                </p:cTn>
+                              </p:par>
+                            </p:childTnLst>
+                          </p:cTn>
+                        </p:par>
+                        <p:par>
+                          <p:cTn id="16" fill="hold">
+                            <p:stCondLst>
+                              <p:cond delay="1500"/>
+                            </p:stCondLst>
+                            <p:childTnLst>
+                              <p:par>
+                                <p:cTn id="17" presetID="10" presetClass="entr" presetSubtype="0" fill="hold" grpId="0" nodeType="afterEffect">
+                                  <p:stCondLst>
+                                    <p:cond delay="0"/>
+                                  </p:stCondLst>
+                                  <p:childTnLst>
+                                    <p:set>
+                                      <p:cBhvr>
+                                        <p:cTn id="18" dur="1" fill="hold">
+                                          <p:stCondLst>
+                                            <p:cond delay="0"/>
+                                          </p:stCondLst>
+                                        </p:cTn>
+                                        <p:tgtEl>
+                                          <p:spTgt spid="3">
+                                            <p:txEl>
+                                              <p:pRg st="3" end="3"/>
+                                            </p:txEl>
+                                          </p:spTgt>
+                                        </p:tgtEl>
+                                        <p:attrNameLst>
+                                          <p:attrName>style.visibility</p:attrName>
+                                        </p:attrNameLst>
+                                      </p:cBhvr>
+                                      <p:to>
+                                        <p:strVal val="visible"/>
+                                      </p:to>
+                                    </p:set>
+                                    <p:animEffect transition="in" filter="fade">
+                                      <p:cBhvr>
+                                        <p:cTn id="19" dur="500"/>
+                                        <p:tgtEl>
+                                          <p:spTgt spid="3">
+                                            <p:txEl>
+                                              <p:pRg st="3" end="3"/>
+                                            </p:txEl>
+                                          </p:spTgt>
+                                        </p:tgtEl>
+                                      </p:cBhvr>
+                                    </p:animEffect>
+                                  </p:childTnLst>
+                                </p:cTn>
+                              </p:par>
+                            </p:childTnLst>
+                          </p:cTn>
+                        </p:par>
+                      </p:childTnLst>
+                    </p:cTn>
+                  </p:par>
+                </p:childTnLst>
+              </p:cTn>
+              <p:prevCondLst>
+                <p:cond evt="onPrev" delay="0">
+                  <p:tgtEl>
+                    <p:sldTgt/>
+                  </p:tgtEl>
+                </p:cond>
+              </p:prevCondLst>
+              <p:nextCondLst>
+                <p:cond evt="onNext" delay="0">
+                  <p:tgtEl>
+                    <p:sldTgt/>
+                  </p:tgtEl>
+                </p:cond>
+              </p:nextCondLst>
+            </p:seq>
+          </p:childTnLst>
+        </p:cTn>
+      </p:par>
+    </p:tnLst>
+    <p:bldLst>
+      <p:bldP spid="3" grpId="0" uiExpand="1" build="p"/>
+    </p:bldLst>
+  </p:timing>
+</p:sld>
+</file>
+
+<file path=ppt/slides/slide17.xml><?xml version="1.0" encoding="utf-8"?>
 <p:sld xmlns:a="http://schemas.openxmlformats.org/drawingml/2006/main" xmlns:r="http://schemas.openxmlformats.org/officeDocument/2006/relationships" xmlns:p="http://schemas.openxmlformats.org/presentationml/2006/main">
   <p:cSld>
     <p:spTree>
@@ -7979,14 +8817,14 @@
   <p:clrMapOvr>
     <a:masterClrMapping/>
   </p:clrMapOvr>
-  <mc:AlternateContent xmlns:mc="http://schemas.openxmlformats.org/markup-compatibility/2006" xmlns:p14="http://schemas.microsoft.com/office/powerpoint/2010/main">
-    <mc:Choice Requires="p14">
-      <p:transition spd="med" p14:dur="700">
+  <mc:AlternateContent xmlns:mc="http://schemas.openxmlformats.org/markup-compatibility/2006">
+    <mc:Choice xmlns:p14="http://schemas.microsoft.com/office/powerpoint/2010/main" Requires="p14">
+      <p:transition p14:dur="250">
         <p:fade/>
       </p:transition>
     </mc:Choice>
-    <mc:Fallback xmlns="">
-      <p:transition spd="med">
+    <mc:Fallback>
+      <p:transition>
         <p:fade/>
       </p:transition>
     </mc:Fallback>
@@ -8001,7 +8839,7 @@
 </p:sld>
 </file>
 
-<file path=ppt/slides/slide17.xml><?xml version="1.0" encoding="utf-8"?>
+<file path=ppt/slides/slide18.xml><?xml version="1.0" encoding="utf-8"?>
 <p:sld xmlns:a="http://schemas.openxmlformats.org/drawingml/2006/main" xmlns:r="http://schemas.openxmlformats.org/officeDocument/2006/relationships" xmlns:p="http://schemas.openxmlformats.org/presentationml/2006/main">
   <p:cSld>
     <p:spTree>
@@ -8133,14 +8971,14 @@
   <p:clrMapOvr>
     <a:masterClrMapping/>
   </p:clrMapOvr>
-  <mc:AlternateContent xmlns:mc="http://schemas.openxmlformats.org/markup-compatibility/2006" xmlns:p14="http://schemas.microsoft.com/office/powerpoint/2010/main">
-    <mc:Choice Requires="p14">
-      <p:transition spd="med" p14:dur="700">
+  <mc:AlternateContent xmlns:mc="http://schemas.openxmlformats.org/markup-compatibility/2006">
+    <mc:Choice xmlns:p14="http://schemas.microsoft.com/office/powerpoint/2010/main" Requires="p14">
+      <p:transition p14:dur="250">
         <p:fade/>
       </p:transition>
     </mc:Choice>
-    <mc:Fallback xmlns="">
-      <p:transition spd="med">
+    <mc:Fallback>
+      <p:transition>
         <p:fade/>
       </p:transition>
     </mc:Fallback>
@@ -8318,12 +9156,12 @@
   </p:clrMapOvr>
   <mc:AlternateContent xmlns:mc="http://schemas.openxmlformats.org/markup-compatibility/2006">
     <mc:Choice xmlns:p14="http://schemas.microsoft.com/office/powerpoint/2010/main" Requires="p14">
-      <p:transition spd="med" p14:dur="700">
+      <p:transition p14:dur="250">
         <p:fade/>
       </p:transition>
     </mc:Choice>
     <mc:Fallback>
-      <p:transition spd="med">
+      <p:transition>
         <p:fade/>
       </p:transition>
     </mc:Fallback>
@@ -8615,12 +9453,12 @@
   </p:clrMapOvr>
   <mc:AlternateContent xmlns:mc="http://schemas.openxmlformats.org/markup-compatibility/2006">
     <mc:Choice xmlns:p14="http://schemas.microsoft.com/office/powerpoint/2010/main" Requires="p14">
-      <p:transition spd="med" p14:dur="700">
+      <p:transition p14:dur="250">
         <p:fade/>
       </p:transition>
     </mc:Choice>
     <mc:Fallback>
-      <p:transition spd="med">
+      <p:transition>
         <p:fade/>
       </p:transition>
     </mc:Fallback>
@@ -8944,7 +9782,7 @@
 </file>
 
 <file path=ppt/slides/slide4.xml><?xml version="1.0" encoding="utf-8"?>
-<p:sld xmlns:a="http://schemas.openxmlformats.org/drawingml/2006/main" xmlns:r="http://schemas.openxmlformats.org/officeDocument/2006/relationships" xmlns:p="http://schemas.openxmlformats.org/presentationml/2006/main">
+<p:sld xmlns:a="http://schemas.openxmlformats.org/drawingml/2006/main" xmlns:r="http://schemas.openxmlformats.org/officeDocument/2006/relationships" xmlns:p="http://schemas.openxmlformats.org/presentationml/2006/main" show="0">
   <p:cSld>
     <p:spTree>
       <p:nvGrpSpPr>
@@ -9233,14 +10071,14 @@
   <p:clrMapOvr>
     <a:masterClrMapping/>
   </p:clrMapOvr>
-  <mc:AlternateContent xmlns:mc="http://schemas.openxmlformats.org/markup-compatibility/2006" xmlns:p14="http://schemas.microsoft.com/office/powerpoint/2010/main">
-    <mc:Choice Requires="p14">
-      <p:transition spd="med" p14:dur="700">
+  <mc:AlternateContent xmlns:mc="http://schemas.openxmlformats.org/markup-compatibility/2006">
+    <mc:Choice xmlns:p14="http://schemas.microsoft.com/office/powerpoint/2010/main" Requires="p14">
+      <p:transition p14:dur="250">
         <p:fade/>
       </p:transition>
     </mc:Choice>
-    <mc:Fallback xmlns="">
-      <p:transition spd="med">
+    <mc:Fallback>
+      <p:transition>
         <p:fade/>
       </p:transition>
     </mc:Fallback>
@@ -9662,7 +10500,7 @@
 </file>
 
 <file path=ppt/slides/slide5.xml><?xml version="1.0" encoding="utf-8"?>
-<p:sld xmlns:a="http://schemas.openxmlformats.org/drawingml/2006/main" xmlns:r="http://schemas.openxmlformats.org/officeDocument/2006/relationships" xmlns:p="http://schemas.openxmlformats.org/presentationml/2006/main">
+<p:sld xmlns:a="http://schemas.openxmlformats.org/drawingml/2006/main" xmlns:r="http://schemas.openxmlformats.org/officeDocument/2006/relationships" xmlns:p="http://schemas.openxmlformats.org/presentationml/2006/main" show="0">
   <p:cSld>
     <p:spTree>
       <p:nvGrpSpPr>
@@ -9877,14 +10715,14 @@
   <p:clrMapOvr>
     <a:masterClrMapping/>
   </p:clrMapOvr>
-  <mc:AlternateContent xmlns:mc="http://schemas.openxmlformats.org/markup-compatibility/2006" xmlns:p14="http://schemas.microsoft.com/office/powerpoint/2010/main">
-    <mc:Choice Requires="p14">
-      <p:transition spd="med" p14:dur="700">
+  <mc:AlternateContent xmlns:mc="http://schemas.openxmlformats.org/markup-compatibility/2006">
+    <mc:Choice xmlns:p14="http://schemas.microsoft.com/office/powerpoint/2010/main" Requires="p14">
+      <p:transition p14:dur="250">
         <p:fade/>
       </p:transition>
     </mc:Choice>
-    <mc:Fallback xmlns="">
-      <p:transition spd="med">
+    <mc:Fallback>
+      <p:transition>
         <p:fade/>
       </p:transition>
     </mc:Fallback>
@@ -10130,7 +10968,7 @@
 </file>
 
 <file path=ppt/slides/slide6.xml><?xml version="1.0" encoding="utf-8"?>
-<p:sld xmlns:a="http://schemas.openxmlformats.org/drawingml/2006/main" xmlns:r="http://schemas.openxmlformats.org/officeDocument/2006/relationships" xmlns:p="http://schemas.openxmlformats.org/presentationml/2006/main">
+<p:sld xmlns:a="http://schemas.openxmlformats.org/drawingml/2006/main" xmlns:r="http://schemas.openxmlformats.org/officeDocument/2006/relationships" xmlns:p="http://schemas.openxmlformats.org/presentationml/2006/main" show="0">
   <p:cSld>
     <p:spTree>
       <p:nvGrpSpPr>
@@ -10369,14 +11207,14 @@
   <p:clrMapOvr>
     <a:masterClrMapping/>
   </p:clrMapOvr>
-  <mc:AlternateContent xmlns:mc="http://schemas.openxmlformats.org/markup-compatibility/2006" xmlns:p14="http://schemas.microsoft.com/office/powerpoint/2010/main">
-    <mc:Choice Requires="p14">
-      <p:transition spd="med" p14:dur="700">
+  <mc:AlternateContent xmlns:mc="http://schemas.openxmlformats.org/markup-compatibility/2006">
+    <mc:Choice xmlns:p14="http://schemas.microsoft.com/office/powerpoint/2010/main" Requires="p14">
+      <p:transition p14:dur="250">
         <p:fade/>
       </p:transition>
     </mc:Choice>
-    <mc:Fallback xmlns="">
-      <p:transition spd="med">
+    <mc:Fallback>
+      <p:transition>
         <p:fade/>
       </p:transition>
     </mc:Fallback>
@@ -10392,7 +11230,7 @@
 </file>
 
 <file path=ppt/slides/slide7.xml><?xml version="1.0" encoding="utf-8"?>
-<p:sld xmlns:a="http://schemas.openxmlformats.org/drawingml/2006/main" xmlns:r="http://schemas.openxmlformats.org/officeDocument/2006/relationships" xmlns:p="http://schemas.openxmlformats.org/presentationml/2006/main">
+<p:sld xmlns:a="http://schemas.openxmlformats.org/drawingml/2006/main" xmlns:r="http://schemas.openxmlformats.org/officeDocument/2006/relationships" xmlns:p="http://schemas.openxmlformats.org/presentationml/2006/main" show="0">
   <p:cSld>
     <p:spTree>
       <p:nvGrpSpPr>
@@ -10698,14 +11536,14 @@
   <p:clrMapOvr>
     <a:masterClrMapping/>
   </p:clrMapOvr>
-  <mc:AlternateContent xmlns:mc="http://schemas.openxmlformats.org/markup-compatibility/2006" xmlns:p14="http://schemas.microsoft.com/office/powerpoint/2010/main">
-    <mc:Choice Requires="p14">
-      <p:transition spd="med" p14:dur="700">
+  <mc:AlternateContent xmlns:mc="http://schemas.openxmlformats.org/markup-compatibility/2006">
+    <mc:Choice xmlns:p14="http://schemas.microsoft.com/office/powerpoint/2010/main" Requires="p14">
+      <p:transition p14:dur="250">
         <p:fade/>
       </p:transition>
     </mc:Choice>
-    <mc:Fallback xmlns="">
-      <p:transition spd="med">
+    <mc:Fallback>
+      <p:transition>
         <p:fade/>
       </p:transition>
     </mc:Fallback>
@@ -10721,7 +11559,7 @@
 </file>
 
 <file path=ppt/slides/slide8.xml><?xml version="1.0" encoding="utf-8"?>
-<p:sld xmlns:a="http://schemas.openxmlformats.org/drawingml/2006/main" xmlns:r="http://schemas.openxmlformats.org/officeDocument/2006/relationships" xmlns:p="http://schemas.openxmlformats.org/presentationml/2006/main">
+<p:sld xmlns:a="http://schemas.openxmlformats.org/drawingml/2006/main" xmlns:r="http://schemas.openxmlformats.org/officeDocument/2006/relationships" xmlns:p="http://schemas.openxmlformats.org/presentationml/2006/main" show="0">
   <p:cSld>
     <p:spTree>
       <p:nvGrpSpPr>
@@ -11309,14 +12147,14 @@
   <p:clrMapOvr>
     <a:masterClrMapping/>
   </p:clrMapOvr>
-  <mc:AlternateContent xmlns:mc="http://schemas.openxmlformats.org/markup-compatibility/2006" xmlns:p14="http://schemas.microsoft.com/office/powerpoint/2010/main">
-    <mc:Choice Requires="p14">
-      <p:transition spd="med" p14:dur="700">
+  <mc:AlternateContent xmlns:mc="http://schemas.openxmlformats.org/markup-compatibility/2006">
+    <mc:Choice xmlns:p14="http://schemas.microsoft.com/office/powerpoint/2010/main" Requires="p14">
+      <p:transition p14:dur="250">
         <p:fade/>
       </p:transition>
     </mc:Choice>
-    <mc:Fallback xmlns="">
-      <p:transition spd="med">
+    <mc:Fallback>
+      <p:transition>
         <p:fade/>
       </p:transition>
     </mc:Fallback>
@@ -11883,7 +12721,7 @@
 </file>
 
 <file path=ppt/slides/slide9.xml><?xml version="1.0" encoding="utf-8"?>
-<p:sld xmlns:a="http://schemas.openxmlformats.org/drawingml/2006/main" xmlns:r="http://schemas.openxmlformats.org/officeDocument/2006/relationships" xmlns:p="http://schemas.openxmlformats.org/presentationml/2006/main">
+<p:sld xmlns:a="http://schemas.openxmlformats.org/drawingml/2006/main" xmlns:r="http://schemas.openxmlformats.org/officeDocument/2006/relationships" xmlns:p="http://schemas.openxmlformats.org/presentationml/2006/main" show="0">
   <p:cSld>
     <p:spTree>
       <p:nvGrpSpPr>
@@ -12039,9 +12877,12 @@
             </a:r>
             <a:r>
               <a:rPr lang="hr-HR" sz="2200" dirty="0"/>
-              <a:t>ostvari određeni zadatak, bilo na području proizvodnje ili pružanja usluga </a:t>
-            </a:r>
-            <a:endParaRPr lang="hr-HR" sz="2200" dirty="0" smtClean="0"/>
+              <a:t>ostvari određeni </a:t>
+            </a:r>
+            <a:r>
+              <a:rPr lang="hr-HR" sz="2200" dirty="0" smtClean="0"/>
+              <a:t>zadatak</a:t>
+            </a:r>
           </a:p>
           <a:p>
             <a:pPr marL="0" indent="0">
@@ -12131,7 +12972,7 @@
         </p:nvSpPr>
         <p:spPr>
           <a:xfrm>
-            <a:off x="285720" y="4485197"/>
+            <a:off x="285720" y="4197165"/>
             <a:ext cx="2143140" cy="1104043"/>
           </a:xfrm>
           <a:prstGeom prst="rect">
@@ -12174,9 +13015,21 @@
             <a:pPr algn="ctr"/>
             <a:r>
               <a:rPr lang="hr-HR" sz="2000" b="1" dirty="0" smtClean="0"/>
-              <a:t>ORGANIZIRANJE SVAKOG RADNOG MJESTA</a:t>
-            </a:r>
-            <a:endParaRPr lang="hr-HR" sz="2000" b="1" dirty="0"/>
+              <a:t>ORGANIZIRANJE </a:t>
+            </a:r>
+            <a:r>
+              <a:rPr lang="hr-HR" sz="2000" b="1" dirty="0" smtClean="0">
+                <a:solidFill>
+                  <a:srgbClr val="FFC000"/>
+                </a:solidFill>
+              </a:rPr>
+              <a:t>SVAKOG RADNOG MJESTA</a:t>
+            </a:r>
+            <a:endParaRPr lang="hr-HR" sz="2000" b="1" dirty="0">
+              <a:solidFill>
+                <a:srgbClr val="FFC000"/>
+              </a:solidFill>
+            </a:endParaRPr>
           </a:p>
         </p:txBody>
       </p:sp>
@@ -12188,7 +13041,7 @@
         </p:nvSpPr>
         <p:spPr>
           <a:xfrm>
-            <a:off x="3321834" y="4485197"/>
+            <a:off x="3321834" y="4197165"/>
             <a:ext cx="2143140" cy="1104043"/>
           </a:xfrm>
           <a:prstGeom prst="rect">
@@ -12230,10 +13083,42 @@
           <a:p>
             <a:pPr algn="ctr"/>
             <a:r>
+              <a:rPr lang="hr-HR" sz="2000" b="1" dirty="0" smtClean="0">
+                <a:solidFill>
+                  <a:srgbClr val="FFC000"/>
+                </a:solidFill>
+              </a:rPr>
+              <a:t>USKLAĐIVANJE</a:t>
+            </a:r>
+            <a:r>
               <a:rPr lang="hr-HR" sz="2000" b="1" dirty="0" smtClean="0"/>
-              <a:t>USKLAĐIVANJE RADNIH MJESTA U ODJELU I POGONU</a:t>
-            </a:r>
-            <a:endParaRPr lang="hr-HR" sz="2000" b="1" dirty="0"/>
+              <a:t> RADNIH MJESTA U </a:t>
+            </a:r>
+            <a:r>
+              <a:rPr lang="hr-HR" sz="2000" b="1" dirty="0" smtClean="0">
+                <a:solidFill>
+                  <a:srgbClr val="FFC000"/>
+                </a:solidFill>
+              </a:rPr>
+              <a:t>ODJELU </a:t>
+            </a:r>
+            <a:r>
+              <a:rPr lang="hr-HR" sz="2000" b="1" dirty="0" smtClean="0"/>
+              <a:t>I </a:t>
+            </a:r>
+            <a:r>
+              <a:rPr lang="hr-HR" sz="2000" b="1" dirty="0" smtClean="0">
+                <a:solidFill>
+                  <a:srgbClr val="FFC000"/>
+                </a:solidFill>
+              </a:rPr>
+              <a:t>POGONU</a:t>
+            </a:r>
+            <a:endParaRPr lang="hr-HR" sz="2000" b="1" dirty="0">
+              <a:solidFill>
+                <a:srgbClr val="FFC000"/>
+              </a:solidFill>
+            </a:endParaRPr>
           </a:p>
         </p:txBody>
       </p:sp>
@@ -12245,7 +13130,7 @@
         </p:nvSpPr>
         <p:spPr>
           <a:xfrm>
-            <a:off x="6357950" y="4485197"/>
+            <a:off x="6357950" y="4197165"/>
             <a:ext cx="2571768" cy="1104043"/>
           </a:xfrm>
           <a:prstGeom prst="rect">
@@ -12288,9 +13173,21 @@
             <a:pPr algn="ctr"/>
             <a:r>
               <a:rPr lang="hr-HR" sz="2000" b="1" dirty="0" smtClean="0"/>
-              <a:t>USKLAĐIVANJE SVIH ODJELA U UGOST. OBJEKTU</a:t>
-            </a:r>
-            <a:endParaRPr lang="hr-HR" sz="2000" b="1" dirty="0"/>
+              <a:t>USKLAĐIVANJE SVIH ODJELA </a:t>
+            </a:r>
+            <a:r>
+              <a:rPr lang="hr-HR" sz="2000" b="1" dirty="0" smtClean="0">
+                <a:solidFill>
+                  <a:srgbClr val="FFC000"/>
+                </a:solidFill>
+              </a:rPr>
+              <a:t>U UGOST. OBJEKTU</a:t>
+            </a:r>
+            <a:endParaRPr lang="hr-HR" sz="2000" b="1" dirty="0">
+              <a:solidFill>
+                <a:srgbClr val="FFC000"/>
+              </a:solidFill>
+            </a:endParaRPr>
           </a:p>
         </p:txBody>
       </p:sp>
@@ -12302,7 +13199,7 @@
         </p:nvSpPr>
         <p:spPr>
           <a:xfrm>
-            <a:off x="2553876" y="4680028"/>
+            <a:off x="2553876" y="4391996"/>
             <a:ext cx="642942" cy="714380"/>
           </a:xfrm>
           <a:prstGeom prst="rightArrow">
@@ -12355,7 +13252,7 @@
         </p:nvSpPr>
         <p:spPr>
           <a:xfrm>
-            <a:off x="5589990" y="4680028"/>
+            <a:off x="5589990" y="4391996"/>
             <a:ext cx="642942" cy="714380"/>
           </a:xfrm>
           <a:prstGeom prst="rightArrow">
@@ -12408,7 +13305,7 @@
         </p:nvSpPr>
         <p:spPr>
           <a:xfrm>
-            <a:off x="2485967" y="5673123"/>
+            <a:off x="2485967" y="5332381"/>
             <a:ext cx="5398401" cy="430887"/>
           </a:xfrm>
           <a:prstGeom prst="rect">
@@ -12444,7 +13341,7 @@
         </p:nvSpPr>
         <p:spPr>
           <a:xfrm>
-            <a:off x="1547664" y="6146663"/>
+            <a:off x="1547664" y="5805921"/>
             <a:ext cx="5073248" cy="430887"/>
           </a:xfrm>
           <a:prstGeom prst="rect">
@@ -12515,14 +13412,14 @@
   <p:clrMapOvr>
     <a:masterClrMapping/>
   </p:clrMapOvr>
-  <mc:AlternateContent xmlns:mc="http://schemas.openxmlformats.org/markup-compatibility/2006" xmlns:p14="http://schemas.microsoft.com/office/powerpoint/2010/main">
-    <mc:Choice Requires="p14">
-      <p:transition spd="med" p14:dur="700">
+  <mc:AlternateContent xmlns:mc="http://schemas.openxmlformats.org/markup-compatibility/2006">
+    <mc:Choice xmlns:p14="http://schemas.microsoft.com/office/powerpoint/2010/main" Requires="p14">
+      <p:transition p14:dur="250">
         <p:fade/>
       </p:transition>
     </mc:Choice>
-    <mc:Fallback xmlns="">
-      <p:transition spd="med">
+    <mc:Fallback>
+      <p:transition>
         <p:fade/>
       </p:transition>
     </mc:Fallback>
